--- a/lectures/lecture-26/Lecture-Live D00/Lecture 26 - Lecture.pptx
+++ b/lectures/lecture-26/Lecture-Live D00/Lecture 26 - Lecture.pptx
@@ -139,6 +139,680 @@
     </p:ext>
   </p:extLst>
 </p:presentation>
+</file>
+
+<file path=ppt/ink/ink1.xml><?xml version="1.0" encoding="utf-8"?>
+<inkml:ink xmlns:inkml="http://www.w3.org/2003/InkML">
+  <inkml:definitions>
+    <inkml:context xml:id="ctx0">
+      <inkml:inkSource xml:id="inkSrc0">
+        <inkml:traceFormat>
+          <inkml:channel name="X" type="integer" min="-2.14748E9" max="2.14748E9" units="cm"/>
+          <inkml:channel name="Y" type="integer" min="-2.14748E9" max="2.14748E9" units="cm"/>
+          <inkml:channel name="F" type="integer" max="32767" units="dev"/>
+          <inkml:channel name="OA" type="integer" max="360" units="deg"/>
+          <inkml:channel name="OE" type="integer" max="90" units="deg"/>
+        </inkml:traceFormat>
+        <inkml:channelProperties>
+          <inkml:channelProperty channel="X" name="resolution" value="1000" units="1/cm"/>
+          <inkml:channelProperty channel="Y" name="resolution" value="1000" units="1/cm"/>
+          <inkml:channelProperty channel="F" name="resolution" value="0" units="1/dev"/>
+          <inkml:channelProperty channel="OA" name="resolution" value="1000" units="1/deg"/>
+          <inkml:channelProperty channel="OE" name="resolution" value="1000" units="1/deg"/>
+        </inkml:channelProperties>
+      </inkml:inkSource>
+      <inkml:timestamp xml:id="ts0" timeString="2021-03-12T20:00:33.817"/>
+    </inkml:context>
+    <inkml:brush xml:id="br0">
+      <inkml:brushProperty name="width" value="0.05" units="cm"/>
+      <inkml:brushProperty name="height" value="0.05" units="cm"/>
+      <inkml:brushProperty name="color" value="#004F8B"/>
+    </inkml:brush>
+  </inkml:definitions>
+  <inkml:trace contextRef="#ctx0" brushRef="#br0">15 13 9584 0 0,'0'0'216'0'0,"-5"0"292"0"0,-4 5 5966 0 0,16-3-2355 0 0,-3-2-5583 0 0,125-10 5130 0 0,-24 1-3171 0 0,432 11 3355 0 0,-370 2-3615 0 0,-46-1-41 0 0,194 2 289 0 0,-20 2 131 0 0,-120-2-93 0 0,-37 0-91 0 0,149-2 323 0 0,-19-18 264 0 0,-222 12-811 0 0,-16 1-148 0 0,0 1 0 0 0,0 2 0 0 0,37 4-1 0 0,15 6-406 0 0,-75-10 349 0 0,-3-3 805 0 0,-17 9-3029 0 0,-5 4-778 0 0,8-2 1311 0 0</inkml:trace>
+</inkml:ink>
+</file>
+
+<file path=ppt/ink/ink10.xml><?xml version="1.0" encoding="utf-8"?>
+<inkml:ink xmlns:inkml="http://www.w3.org/2003/InkML">
+  <inkml:definitions>
+    <inkml:context xml:id="ctx0">
+      <inkml:inkSource xml:id="inkSrc0">
+        <inkml:traceFormat>
+          <inkml:channel name="X" type="integer" min="-2.14748E9" max="2.14748E9" units="cm"/>
+          <inkml:channel name="Y" type="integer" min="-2.14748E9" max="2.14748E9" units="cm"/>
+          <inkml:channel name="F" type="integer" max="32767" units="dev"/>
+          <inkml:channel name="OA" type="integer" max="360" units="deg"/>
+          <inkml:channel name="OE" type="integer" max="90" units="deg"/>
+        </inkml:traceFormat>
+        <inkml:channelProperties>
+          <inkml:channelProperty channel="X" name="resolution" value="1000" units="1/cm"/>
+          <inkml:channelProperty channel="Y" name="resolution" value="1000" units="1/cm"/>
+          <inkml:channelProperty channel="F" name="resolution" value="0" units="1/dev"/>
+          <inkml:channelProperty channel="OA" name="resolution" value="1000" units="1/deg"/>
+          <inkml:channelProperty channel="OE" name="resolution" value="1000" units="1/deg"/>
+        </inkml:channelProperties>
+      </inkml:inkSource>
+      <inkml:timestamp xml:id="ts0" timeString="2021-03-12T20:00:49.645"/>
+    </inkml:context>
+    <inkml:brush xml:id="br0">
+      <inkml:brushProperty name="width" value="0.05" units="cm"/>
+      <inkml:brushProperty name="height" value="0.05" units="cm"/>
+      <inkml:brushProperty name="color" value="#004F8B"/>
+    </inkml:brush>
+  </inkml:definitions>
+  <inkml:trace contextRef="#ctx0" brushRef="#br0">25 0 21191 0 0,'0'0'480'0'0,"-6"4"1368"0"0,3 2-1564 0 0,1 0 0 0 0,-1 1 0 0 0,1-1 0 0 0,1 1 0 0 0,-1 0 0 0 0,1-1 0 0 0,0 1 0 0 0,1 0 0 0 0,0 7 0 0 0,-1 5 100 0 0,-2 55 529 0 0,8 79 0 0 0,-4-133-828 0 0,12 159 220 0 0,-6-130-677 0 0,-4-32-75 0 0,1 29 1 0 0,-4-46 201 0 0,-1 12-518 0 0,-9-9-4572 0 0</inkml:trace>
+</inkml:ink>
+</file>
+
+<file path=ppt/ink/ink11.xml><?xml version="1.0" encoding="utf-8"?>
+<inkml:ink xmlns:inkml="http://www.w3.org/2003/InkML">
+  <inkml:definitions>
+    <inkml:context xml:id="ctx0">
+      <inkml:inkSource xml:id="inkSrc0">
+        <inkml:traceFormat>
+          <inkml:channel name="X" type="integer" min="-2.14748E9" max="2.14748E9" units="cm"/>
+          <inkml:channel name="Y" type="integer" min="-2.14748E9" max="2.14748E9" units="cm"/>
+          <inkml:channel name="F" type="integer" max="32767" units="dev"/>
+          <inkml:channel name="OA" type="integer" max="360" units="deg"/>
+          <inkml:channel name="OE" type="integer" max="90" units="deg"/>
+        </inkml:traceFormat>
+        <inkml:channelProperties>
+          <inkml:channelProperty channel="X" name="resolution" value="1000" units="1/cm"/>
+          <inkml:channelProperty channel="Y" name="resolution" value="1000" units="1/cm"/>
+          <inkml:channelProperty channel="F" name="resolution" value="0" units="1/dev"/>
+          <inkml:channelProperty channel="OA" name="resolution" value="1000" units="1/deg"/>
+          <inkml:channelProperty channel="OE" name="resolution" value="1000" units="1/deg"/>
+        </inkml:channelProperties>
+      </inkml:inkSource>
+      <inkml:timestamp xml:id="ts0" timeString="2021-03-12T20:00:50.010"/>
+    </inkml:context>
+    <inkml:brush xml:id="br0">
+      <inkml:brushProperty name="width" value="0.05" units="cm"/>
+      <inkml:brushProperty name="height" value="0.05" units="cm"/>
+      <inkml:brushProperty name="color" value="#004F8B"/>
+    </inkml:brush>
+  </inkml:definitions>
+  <inkml:trace contextRef="#ctx0" brushRef="#br0">4 52 15200 0 0,'-4'-4'11332'0'0,"10"2"-12430"0"0,22-8 2152 0 0,-1 1 0 0 0,2 1 0 0 0,-1 1 0 0 0,55-4 0 0 0,-51 10-1349 0 0,54 8 1 0 0,-35-1-8508 0 0,-26-1-367 0 0</inkml:trace>
+</inkml:ink>
+</file>
+
+<file path=ppt/ink/ink12.xml><?xml version="1.0" encoding="utf-8"?>
+<inkml:ink xmlns:inkml="http://www.w3.org/2003/InkML">
+  <inkml:definitions>
+    <inkml:context xml:id="ctx0">
+      <inkml:inkSource xml:id="inkSrc0">
+        <inkml:traceFormat>
+          <inkml:channel name="X" type="integer" min="-2.14748E9" max="2.14748E9" units="cm"/>
+          <inkml:channel name="Y" type="integer" min="-2.14748E9" max="2.14748E9" units="cm"/>
+          <inkml:channel name="F" type="integer" max="32767" units="dev"/>
+          <inkml:channel name="OA" type="integer" max="360" units="deg"/>
+          <inkml:channel name="OE" type="integer" max="90" units="deg"/>
+        </inkml:traceFormat>
+        <inkml:channelProperties>
+          <inkml:channelProperty channel="X" name="resolution" value="1000" units="1/cm"/>
+          <inkml:channelProperty channel="Y" name="resolution" value="1000" units="1/cm"/>
+          <inkml:channelProperty channel="F" name="resolution" value="0" units="1/dev"/>
+          <inkml:channelProperty channel="OA" name="resolution" value="1000" units="1/deg"/>
+          <inkml:channelProperty channel="OE" name="resolution" value="1000" units="1/deg"/>
+        </inkml:channelProperties>
+      </inkml:inkSource>
+      <inkml:timestamp xml:id="ts0" timeString="2021-03-12T20:00:50.499"/>
+    </inkml:context>
+    <inkml:brush xml:id="br0">
+      <inkml:brushProperty name="width" value="0.05" units="cm"/>
+      <inkml:brushProperty name="height" value="0.05" units="cm"/>
+      <inkml:brushProperty name="color" value="#004F8B"/>
+    </inkml:brush>
+  </inkml:definitions>
+  <inkml:trace contextRef="#ctx0" brushRef="#br0">1 35 5064 0 0,'0'0'13093'0'0,"11"-4"-10671"0"0,5-3-1499 0 0,0 2 0 0 0,0 0 0 0 0,1 0 0 0 0,16-1 0 0 0,-28 5-801 0 0,0 0 0 0 0,0 1 1 0 0,0 0-1 0 0,0 0 0 0 0,0 0 0 0 0,0 0 0 0 0,0 1 1 0 0,0 0-1 0 0,-1 0 0 0 0,9 3 0 0 0,-11-3-84 0 0,0 0-1 0 0,0 0 1 0 0,0 0 0 0 0,-1 0-1 0 0,1 1 1 0 0,0-1-1 0 0,-1 1 1 0 0,1-1 0 0 0,-1 1-1 0 0,1 0 1 0 0,-1-1 0 0 0,0 1-1 0 0,0 0 1 0 0,0 0-1 0 0,0 0 1 0 0,0 0 0 0 0,0 0-1 0 0,0 0 1 0 0,-1 0 0 0 0,1 0-1 0 0,-1 0 1 0 0,1 0-1 0 0,-1 1 1 0 0,0-1 0 0 0,0 0-1 0 0,0 3 1 0 0,0 5-49 0 0,-1 1 1 0 0,0-1-1 0 0,-1 0 1 0 0,0 1-1 0 0,-1-1 1 0 0,1 0-1 0 0,-2-1 1 0 0,0 1-1 0 0,0 0 1 0 0,0-1-1 0 0,-1 0 1 0 0,-1 0-1 0 0,0 0 1 0 0,-12 14 0 0 0,11-16 88 0 0,8-8 47 0 0,13-10 42 0 0,49-18 240 0 0,-55 26-330 0 0,0 1 0 0 0,0-1-1 0 0,1 1 1 0 0,-1 1-1 0 0,17-2 1 0 0,-23 3-55 0 0,0 0 0 0 0,0 1 0 0 0,1-1 1 0 0,-1 0-1 0 0,0 0 0 0 0,0 1 0 0 0,0 0 1 0 0,0-1-1 0 0,1 1 0 0 0,-1 0 0 0 0,0 0 1 0 0,0 0-1 0 0,-1 0 0 0 0,1 0 0 0 0,3 3 0 0 0,-4-3-9 0 0,-1 0 0 0 0,1 0 0 0 0,0 0-1 0 0,0 0 1 0 0,0 0 0 0 0,-1 1 0 0 0,1-1-1 0 0,-1 0 1 0 0,1 0 0 0 0,-1 1-1 0 0,1-1 1 0 0,-1 1 0 0 0,0-1 0 0 0,0 0-1 0 0,0 1 1 0 0,1-1 0 0 0,-1 0 0 0 0,0 1-1 0 0,-1-1 1 0 0,1 1 0 0 0,0-1 0 0 0,0 0-1 0 0,-1 1 1 0 0,1-1 0 0 0,-1 2-1 0 0,-4 9 31 0 0,0 0-1 0 0,-1 0 0 0 0,0 0 1 0 0,-1-1-1 0 0,0 0 0 0 0,-1 0 0 0 0,-12 13 1 0 0,7-11 15 0 0,-1 1 1 0 0,0-2-1 0 0,-1 0 1 0 0,-24 15-1 0 0,-54 30-3488 0 0</inkml:trace>
+</inkml:ink>
+</file>
+
+<file path=ppt/ink/ink13.xml><?xml version="1.0" encoding="utf-8"?>
+<inkml:ink xmlns:inkml="http://www.w3.org/2003/InkML">
+  <inkml:definitions>
+    <inkml:context xml:id="ctx0">
+      <inkml:inkSource xml:id="inkSrc0">
+        <inkml:traceFormat>
+          <inkml:channel name="X" type="integer" min="-2.14748E9" max="2.14748E9" units="cm"/>
+          <inkml:channel name="Y" type="integer" min="-2.14748E9" max="2.14748E9" units="cm"/>
+          <inkml:channel name="F" type="integer" max="32767" units="dev"/>
+          <inkml:channel name="OA" type="integer" max="360" units="deg"/>
+          <inkml:channel name="OE" type="integer" max="90" units="deg"/>
+        </inkml:traceFormat>
+        <inkml:channelProperties>
+          <inkml:channelProperty channel="X" name="resolution" value="1000" units="1/cm"/>
+          <inkml:channelProperty channel="Y" name="resolution" value="1000" units="1/cm"/>
+          <inkml:channelProperty channel="F" name="resolution" value="0" units="1/dev"/>
+          <inkml:channelProperty channel="OA" name="resolution" value="1000" units="1/deg"/>
+          <inkml:channelProperty channel="OE" name="resolution" value="1000" units="1/deg"/>
+        </inkml:channelProperties>
+      </inkml:inkSource>
+      <inkml:timestamp xml:id="ts0" timeString="2021-03-12T20:00:50.857"/>
+    </inkml:context>
+    <inkml:brush xml:id="br0">
+      <inkml:brushProperty name="width" value="0.05" units="cm"/>
+      <inkml:brushProperty name="height" value="0.05" units="cm"/>
+      <inkml:brushProperty name="color" value="#004F8B"/>
+    </inkml:brush>
+  </inkml:definitions>
+  <inkml:trace contextRef="#ctx0" brushRef="#br0">141 70 13824 0 0,'0'-22'4550'0'0,"-4"21"-969"0"0,-9-1-2511 0 0,10 3-920 0 0,0-1 0 0 0,0 1 0 0 0,0 0 0 0 0,0 0-1 0 0,1 0 1 0 0,-1 0 0 0 0,0 1 0 0 0,0-1 0 0 0,1 1 0 0 0,-1-1 0 0 0,-3 5 0 0 0,-1-1 92 0 0,1 1-1 0 0,0 0 0 0 0,-7 8 1 0 0,6-4-70 0 0,0 1 1 0 0,1-1-1 0 0,0 1 0 0 0,1 0 1 0 0,0 1-1 0 0,1-1 0 0 0,1 1 1 0 0,-1 0-1 0 0,2 0 0 0 0,0 0 1 0 0,0 0-1 0 0,1 0 0 0 0,0 1 1 0 0,2 17-1 0 0,0-27-111 0 0,-1 0 0 0 0,1 0 1 0 0,0 0-1 0 0,0 0 0 0 0,0 0 0 0 0,0 0 0 0 0,1 0 0 0 0,-1-1 0 0 0,1 1 1 0 0,-1 0-1 0 0,1-1 0 0 0,0 1 0 0 0,0-1 0 0 0,0 0 0 0 0,3 3 1 0 0,-4-4-35 0 0,1 0 0 0 0,-1 0-1 0 0,1 0 1 0 0,-1 0 0 0 0,1 0 0 0 0,0 0 0 0 0,-1 0 0 0 0,1 0 0 0 0,0-1 0 0 0,0 1 0 0 0,0-1 0 0 0,-1 1 0 0 0,1-1 0 0 0,0 0 0 0 0,0 0 0 0 0,0 1 0 0 0,0-1 0 0 0,0-1 0 0 0,0 1 0 0 0,-1 0 0 0 0,1 0 0 0 0,0-1 0 0 0,0 1 0 0 0,0-1 0 0 0,2-1 0 0 0,4-2 19 0 0,-1-1-1 0 0,0 0 0 0 0,0-1 1 0 0,0 0-1 0 0,-1 0 1 0 0,0 0-1 0 0,0-1 1 0 0,0 1-1 0 0,-1-2 1 0 0,0 1-1 0 0,6-11 1 0 0,4-13 54 0 0,19-49 0 0 0,-32 72-94 0 0,5-11-782 0 0,-1 0 0 0 0,-1-1 0 0 0,5-39 0 0 0,-9 41-816 0 0</inkml:trace>
+</inkml:ink>
+</file>
+
+<file path=ppt/ink/ink14.xml><?xml version="1.0" encoding="utf-8"?>
+<inkml:ink xmlns:inkml="http://www.w3.org/2003/InkML">
+  <inkml:definitions>
+    <inkml:context xml:id="ctx0">
+      <inkml:inkSource xml:id="inkSrc0">
+        <inkml:traceFormat>
+          <inkml:channel name="X" type="integer" min="-2.14748E9" max="2.14748E9" units="cm"/>
+          <inkml:channel name="Y" type="integer" min="-2.14748E9" max="2.14748E9" units="cm"/>
+          <inkml:channel name="F" type="integer" max="32767" units="dev"/>
+          <inkml:channel name="OA" type="integer" max="360" units="deg"/>
+          <inkml:channel name="OE" type="integer" max="90" units="deg"/>
+        </inkml:traceFormat>
+        <inkml:channelProperties>
+          <inkml:channelProperty channel="X" name="resolution" value="1000" units="1/cm"/>
+          <inkml:channelProperty channel="Y" name="resolution" value="1000" units="1/cm"/>
+          <inkml:channelProperty channel="F" name="resolution" value="0" units="1/dev"/>
+          <inkml:channelProperty channel="OA" name="resolution" value="1000" units="1/deg"/>
+          <inkml:channelProperty channel="OE" name="resolution" value="1000" units="1/deg"/>
+        </inkml:channelProperties>
+      </inkml:inkSource>
+      <inkml:timestamp xml:id="ts0" timeString="2021-03-12T20:00:51.650"/>
+    </inkml:context>
+    <inkml:brush xml:id="br0">
+      <inkml:brushProperty name="width" value="0.05" units="cm"/>
+      <inkml:brushProperty name="height" value="0.05" units="cm"/>
+      <inkml:brushProperty name="color" value="#004F8B"/>
+    </inkml:brush>
+  </inkml:definitions>
+  <inkml:trace contextRef="#ctx0" brushRef="#br0">25 256 2304 0 0,'-17'4'15410'0'0,"15"-7"-15069"0"0,1 0-1 0 0,0 0 0 0 0,0-1 1 0 0,0 1-1 0 0,1 0 1 0 0,-1-1-1 0 0,1 1 0 0 0,0 0 1 0 0,0-1-1 0 0,0 1 1 0 0,0 0-1 0 0,0-1 0 0 0,1 1 1 0 0,0 0-1 0 0,1-7 1 0 0,4-6 727 0 0,12-29 0 0 0,-13 35-847 0 0,0 1-129 0 0,0 0 1 0 0,0 0-1 0 0,1 1 1 0 0,0 0-1 0 0,1 0 0 0 0,0 0 1 0 0,0 1-1 0 0,1 0 1 0 0,0 0-1 0 0,0 1 0 0 0,1 0 1 0 0,13-7-1 0 0,-21 13-92 0 0,0 0 0 0 0,-1-1 0 0 0,1 1 0 0 0,0 0 0 0 0,0 0 0 0 0,0-1 0 0 0,0 1 0 0 0,-1 0 0 0 0,1 0 0 0 0,0 0 0 0 0,0 0 0 0 0,0 0 0 0 0,0 1 0 0 0,0-1 0 0 0,-1 0 0 0 0,1 0 0 0 0,0 0 0 0 0,0 1 0 0 0,0-1 0 0 0,0 0 0 0 0,-1 1 0 0 0,1-1 0 0 0,0 1 0 0 0,-1-1 0 0 0,1 1 0 0 0,0-1 0 0 0,-1 1 0 0 0,1 0 0 0 0,0-1 0 0 0,-1 1 0 0 0,1 0 0 0 0,-1-1 0 0 0,1 1 0 0 0,-1 0 0 0 0,0 0 0 0 0,1-1 0 0 0,0 3 0 0 0,0 0 0 0 0,1 1 0 0 0,0 1 0 0 0,-1-1 0 0 0,0 0 0 0 0,1 8 0 0 0,-2-11 0 0 0,3 19 0 0 0,-2 0 0 0 0,0 0 0 0 0,-3 19 0 0 0,2-31 11 0 0,0 0 0 0 0,1-1-1 0 0,0 1 1 0 0,3 13 0 0 0,-4-21-11 0 0,0 0 0 0 0,0 1 0 0 0,0-1 1 0 0,0 0-1 0 0,1 0 0 0 0,-1 0 0 0 0,0 0 1 0 0,0 1-1 0 0,0-1 0 0 0,1 0 0 0 0,-1 0 1 0 0,0 0-1 0 0,0 0 0 0 0,1 0 1 0 0,-1 0-1 0 0,0 0 0 0 0,0 0 0 0 0,0 0 1 0 0,1 0-1 0 0,-1 0 0 0 0,0 0 0 0 0,0 0 1 0 0,1 0-1 0 0,-1 0 0 0 0,0 0 0 0 0,0 0 1 0 0,1 0-1 0 0,-1 0 0 0 0,0 0 0 0 0,0 0 1 0 0,1 0-1 0 0,-1 0 0 0 0,0-1 1 0 0,0 1-1 0 0,0 0 0 0 0,1 0 0 0 0,-1 0 1 0 0,0 0-1 0 0,0 0 0 0 0,0-1 0 0 0,0 1 1 0 0,1 0-1 0 0,-1 0 0 0 0,11-9-1 0 0,-11 9 1 0 0,14-15-2 0 0,0 0 0 0 0,21-31 0 0 0,5-6 82 0 0,-23 31-49 0 0,18-18 284 0 0,-32 36-276 0 0,0 1-1 0 0,0-1 1 0 0,0 1 0 0 0,0-1-1 0 0,1 1 1 0 0,-1 0 0 0 0,1 0-1 0 0,0 1 1 0 0,-1-1 0 0 0,6 0 0 0 0,-8 1-34 0 0,1 1 1 0 0,0 0 0 0 0,0 0 0 0 0,0 1 0 0 0,-1-1-1 0 0,1 0 1 0 0,0 1 0 0 0,0-1 0 0 0,-1 1 0 0 0,1-1 0 0 0,0 1-1 0 0,-1 0 1 0 0,1-1 0 0 0,0 1 0 0 0,-1 0 0 0 0,1 0 0 0 0,-1 0-1 0 0,0 1 1 0 0,1-1 0 0 0,-1 0 0 0 0,0 0 0 0 0,0 1 0 0 0,0-1-1 0 0,0 1 1 0 0,0-1 0 0 0,1 2 0 0 0,3 5 1 0 0,-1 0 1 0 0,0 0-1 0 0,6 15 0 0 0,-7-13 23 0 0,-1 0 1 0 0,0 0-1 0 0,1 11 0 0 0,4 18 40 0 0,-1-8-19 0 0,7 23 72 0 0,-11-49-185 0 0,-1-1 1 0 0,1 0-1 0 0,-1 0 1 0 0,1-1-1 0 0,1 1 1 0 0,-1 0-1 0 0,0-1 1 0 0,1 1-1 0 0,6 5 1 0 0,-8-8-208 0 0,0 0 0 0 0,0 0 0 0 0,0 0 0 0 0,0 0 0 0 0,0-1 1 0 0,0 1-1 0 0,1 0 0 0 0,-1-1 0 0 0,0 1 0 0 0,1-1 1 0 0,-1 0-1 0 0,0 1 0 0 0,1-1 0 0 0,-1 0 0 0 0,0 0 0 0 0,1 0 1 0 0,-1 0-1 0 0,0 0 0 0 0,1 0 0 0 0,1 0 0 0 0,8-5-7882 0 0</inkml:trace>
+</inkml:ink>
+</file>
+
+<file path=ppt/ink/ink15.xml><?xml version="1.0" encoding="utf-8"?>
+<inkml:ink xmlns:inkml="http://www.w3.org/2003/InkML">
+  <inkml:definitions>
+    <inkml:context xml:id="ctx0">
+      <inkml:inkSource xml:id="inkSrc0">
+        <inkml:traceFormat>
+          <inkml:channel name="X" type="integer" min="-2.14748E9" max="2.14748E9" units="cm"/>
+          <inkml:channel name="Y" type="integer" min="-2.14748E9" max="2.14748E9" units="cm"/>
+          <inkml:channel name="F" type="integer" max="32767" units="dev"/>
+          <inkml:channel name="OA" type="integer" max="360" units="deg"/>
+          <inkml:channel name="OE" type="integer" max="90" units="deg"/>
+        </inkml:traceFormat>
+        <inkml:channelProperties>
+          <inkml:channelProperty channel="X" name="resolution" value="1000" units="1/cm"/>
+          <inkml:channelProperty channel="Y" name="resolution" value="1000" units="1/cm"/>
+          <inkml:channelProperty channel="F" name="resolution" value="0" units="1/dev"/>
+          <inkml:channelProperty channel="OA" name="resolution" value="1000" units="1/deg"/>
+          <inkml:channelProperty channel="OE" name="resolution" value="1000" units="1/deg"/>
+        </inkml:channelProperties>
+      </inkml:inkSource>
+      <inkml:timestamp xml:id="ts0" timeString="2021-03-12T20:00:51.999"/>
+    </inkml:context>
+    <inkml:brush xml:id="br0">
+      <inkml:brushProperty name="width" value="0.05" units="cm"/>
+      <inkml:brushProperty name="height" value="0.05" units="cm"/>
+      <inkml:brushProperty name="color" value="#004F8B"/>
+    </inkml:brush>
+  </inkml:definitions>
+  <inkml:trace contextRef="#ctx0" brushRef="#br0">121 302 11520 0 0,'0'0'1024'0'0,"-2"4"-824"0"0,-4 4-200 0 0,0-1 0 0 0,1 4 1424 0 0,-4 1 240 0 0,1 1 55 0 0,-1 3 9 0 0,1 5-1160 0 0,-4-1-232 0 0,4 0-48 0 0,-3 3 0 0 0,-1-2-224 0 0,4-3-64 0 0,3 0 0 0 0,0-6 0 0 0,1 1-1424 0 0,1-6-336 0 0</inkml:trace>
+  <inkml:trace contextRef="#ctx0" brushRef="#br0" timeOffset="1">164 68 3224 0 0,'-3'-10'288'0'0,"0"3"-288"0"0,0-1 0 0 0,0 1 0 0 0,1-3 3552 0 0,2 2 648 0 0,-3 1 136 0 0,3-1 23 0 0,-3 6-2431 0 0,0 7-3360 0 0,1 4 592 0 0,-1 2-7095 0 0</inkml:trace>
+</inkml:ink>
+</file>
+
+<file path=ppt/ink/ink16.xml><?xml version="1.0" encoding="utf-8"?>
+<inkml:ink xmlns:inkml="http://www.w3.org/2003/InkML">
+  <inkml:definitions>
+    <inkml:context xml:id="ctx0">
+      <inkml:inkSource xml:id="inkSrc0">
+        <inkml:traceFormat>
+          <inkml:channel name="X" type="integer" min="-2.14748E9" max="2.14748E9" units="cm"/>
+          <inkml:channel name="Y" type="integer" min="-2.14748E9" max="2.14748E9" units="cm"/>
+          <inkml:channel name="F" type="integer" max="32767" units="dev"/>
+          <inkml:channel name="OA" type="integer" max="360" units="deg"/>
+          <inkml:channel name="OE" type="integer" max="90" units="deg"/>
+        </inkml:traceFormat>
+        <inkml:channelProperties>
+          <inkml:channelProperty channel="X" name="resolution" value="1000" units="1/cm"/>
+          <inkml:channelProperty channel="Y" name="resolution" value="1000" units="1/cm"/>
+          <inkml:channelProperty channel="F" name="resolution" value="0" units="1/dev"/>
+          <inkml:channelProperty channel="OA" name="resolution" value="1000" units="1/deg"/>
+          <inkml:channelProperty channel="OE" name="resolution" value="1000" units="1/deg"/>
+        </inkml:channelProperties>
+      </inkml:inkSource>
+      <inkml:timestamp xml:id="ts0" timeString="2021-03-12T20:00:52.354"/>
+    </inkml:context>
+    <inkml:brush xml:id="br0">
+      <inkml:brushProperty name="width" value="0.05" units="cm"/>
+      <inkml:brushProperty name="height" value="0.05" units="cm"/>
+      <inkml:brushProperty name="color" value="#004F8B"/>
+    </inkml:brush>
+  </inkml:definitions>
+  <inkml:trace contextRef="#ctx0" brushRef="#br0">0 278 6448 0 0,'1'-1'8959'0'0,"4"-5"-7365"0"0,1-1-713 0 0,-1-1 0 0 0,1 0-1 0 0,-2 0 1 0 0,1-1 0 0 0,-1 1 0 0 0,6-17 0 0 0,7-16 641 0 0,3-4-413 0 0,-10 23-417 0 0,15-27 1 0 0,-17 31-386 0 0,-7 16-300 0 0,-1 0 1 0 0,1 0-1 0 0,0 0 0 0 0,0 0 1 0 0,0 0-1 0 0,0 0 0 0 0,0 0 1 0 0,0 1-1 0 0,3-4 0 0 0,-3 4 141 0 0,2 5 28 0 0,-2-2-166 0 0,0 1-1 0 0,0-1 1 0 0,0 1-1 0 0,0 0 1 0 0,0 0-1 0 0,-1 0 1 0 0,1-1-1 0 0,-1 1 1 0 0,0 5-1 0 0,-1 32-21 0 0,0-19 17 0 0,2-9-5 0 0,0 0 0 0 0,0 0 0 0 0,1 0 0 0 0,0-1 0 0 0,1 1 0 0 0,1-1 0 0 0,5 13 0 0 0,-8-22 11 0 0,0 1 1 0 0,0-1-1 0 0,1 0 0 0 0,-1 1 0 0 0,1-1 0 0 0,-1 0 1 0 0,1 0-1 0 0,0 0 0 0 0,-1-1 0 0 0,1 1 1 0 0,0 0-1 0 0,0-1 0 0 0,0 1 0 0 0,1-1 1 0 0,-1 1-1 0 0,0-1 0 0 0,0 0 0 0 0,1 0 0 0 0,-1 0 1 0 0,1 0-1 0 0,-1-1 0 0 0,1 1 0 0 0,-1-1 1 0 0,1 1-1 0 0,-1-1 0 0 0,1 0 0 0 0,0 0 0 0 0,-1 0 1 0 0,1 0-1 0 0,-1-1 0 0 0,1 1 0 0 0,-1-1 1 0 0,1 1-1 0 0,-1-1 0 0 0,1 0 0 0 0,-1 0 0 0 0,1 0 1 0 0,-1 0-1 0 0,0-1 0 0 0,0 1 0 0 0,0-1 1 0 0,3-2-1 0 0,5-5 99 0 0,-2-1 1 0 0,1 0-1 0 0,-1 0 0 0 0,8-15 1 0 0,1-1-26 0 0,-3 4-483 0 0,11-25 0 0 0,0-1-3052 0 0,-19 36 590 0 0</inkml:trace>
+</inkml:ink>
+</file>
+
+<file path=ppt/ink/ink17.xml><?xml version="1.0" encoding="utf-8"?>
+<inkml:ink xmlns:inkml="http://www.w3.org/2003/InkML">
+  <inkml:definitions>
+    <inkml:context xml:id="ctx0">
+      <inkml:inkSource xml:id="inkSrc0">
+        <inkml:traceFormat>
+          <inkml:channel name="X" type="integer" min="-2.14748E9" max="2.14748E9" units="cm"/>
+          <inkml:channel name="Y" type="integer" min="-2.14748E9" max="2.14748E9" units="cm"/>
+          <inkml:channel name="F" type="integer" max="32767" units="dev"/>
+          <inkml:channel name="OA" type="integer" max="360" units="deg"/>
+          <inkml:channel name="OE" type="integer" max="90" units="deg"/>
+        </inkml:traceFormat>
+        <inkml:channelProperties>
+          <inkml:channelProperty channel="X" name="resolution" value="1000" units="1/cm"/>
+          <inkml:channelProperty channel="Y" name="resolution" value="1000" units="1/cm"/>
+          <inkml:channelProperty channel="F" name="resolution" value="0" units="1/dev"/>
+          <inkml:channelProperty channel="OA" name="resolution" value="1000" units="1/deg"/>
+          <inkml:channelProperty channel="OE" name="resolution" value="1000" units="1/deg"/>
+        </inkml:channelProperties>
+      </inkml:inkSource>
+      <inkml:timestamp xml:id="ts0" timeString="2021-03-12T20:00:52.730"/>
+    </inkml:context>
+    <inkml:brush xml:id="br0">
+      <inkml:brushProperty name="width" value="0.05" units="cm"/>
+      <inkml:brushProperty name="height" value="0.05" units="cm"/>
+      <inkml:brushProperty name="color" value="#004F8B"/>
+    </inkml:brush>
+  </inkml:definitions>
+  <inkml:trace contextRef="#ctx0" brushRef="#br0">80 26 6912 0 0,'0'0'528'0'0,"-1"0"-342"0"0,-1 0 176 0 0,1 0 352 0 0,0 0 1 0 0,-1 1-1 0 0,1-1 1 0 0,-1 0 0 0 0,1 0-1 0 0,0 1 1 0 0,-1-1-1 0 0,1 1 1 0 0,0 0-1 0 0,0-1 1 0 0,-1 1 0 0 0,0 1-1 0 0,-15 15 2247 0 0,12-9-2456 0 0,0 0-1 0 0,-7 15 0 0 0,8-14-90 0 0,1 1 0 0 0,-1 0 0 0 0,-2 17 0 0 0,5-21-274 0 0,0 0-1 0 0,0 0 0 0 0,1-1 1 0 0,0 1-1 0 0,0 0 1 0 0,1 0-1 0 0,-1-1 1 0 0,3 8-1 0 0,-3-12-109 0 0,0 0 0 0 0,1 0 1 0 0,-1 0-1 0 0,0 0 0 0 0,1 1 0 0 0,-1-1 0 0 0,1 0 0 0 0,0 0 1 0 0,-1 0-1 0 0,1 0 0 0 0,0 0 0 0 0,0 0 0 0 0,0 0 1 0 0,-1 0-1 0 0,1-1 0 0 0,0 1 0 0 0,0 0 0 0 0,0 0 1 0 0,0-1-1 0 0,0 1 0 0 0,2 0 0 0 0,-1-1 0 0 0,0 1 1 0 0,-1-1-1 0 0,1 0 0 0 0,0 0 1 0 0,-1 0-1 0 0,1 0 0 0 0,0 0 0 0 0,-1-1 1 0 0,1 1-1 0 0,-1 0 0 0 0,1-1 0 0 0,0 1 1 0 0,-1-1-1 0 0,2 0 0 0 0,4-3 66 0 0,-1 1-1 0 0,-1-1 0 0 0,1 0 0 0 0,0-1 1 0 0,-1 1-1 0 0,6-8 0 0 0,9-11 232 0 0,-2-1-1 0 0,18-31 1 0 0,15-20 742 0 0,-42 67-867 0 0,-9 8-192 0 0,1 0 0 0 0,-1 0 0 0 0,0 0 1 0 0,0 0-1 0 0,0 0 0 0 0,1 0 0 0 0,-1 0 0 0 0,0 0 0 0 0,0 0 1 0 0,1 0-1 0 0,-1 0 0 0 0,0 0 0 0 0,0 0 0 0 0,1 0 0 0 0,-1 0 1 0 0,0 0-1 0 0,0 0 0 0 0,0 0 0 0 0,1 1 0 0 0,-1-1 0 0 0,0 0 1 0 0,0 0-1 0 0,0 0 0 0 0,1 0 0 0 0,-1 0 0 0 0,0 1 0 0 0,0-1 1 0 0,0 0-1 0 0,1 2 19 0 0,0-1 1 0 0,-1 1-1 0 0,1 0 0 0 0,-1-1 1 0 0,0 1-1 0 0,1 0 1 0 0,-1-1-1 0 0,0 1 0 0 0,0 0 1 0 0,0-1-1 0 0,0 1 1 0 0,0 2-1 0 0,-3 20-29 0 0,-7 123 0 0 0,9-145-143 0 0,1 0-1 0 0,0 0 1 0 0,0 1-1 0 0,0-1 1 0 0,1 0-1 0 0,-1 0 1 0 0,1 0-1 0 0,-1 0 1 0 0,1 0-1 0 0,0 0 1 0 0,-1 0 0 0 0,1 0-1 0 0,0 0 1 0 0,2 2-1 0 0,8-5-2956 0 0,-2-2 560 0 0</inkml:trace>
+</inkml:ink>
+</file>
+
+<file path=ppt/ink/ink18.xml><?xml version="1.0" encoding="utf-8"?>
+<inkml:ink xmlns:inkml="http://www.w3.org/2003/InkML">
+  <inkml:definitions>
+    <inkml:context xml:id="ctx0">
+      <inkml:inkSource xml:id="inkSrc0">
+        <inkml:traceFormat>
+          <inkml:channel name="X" type="integer" min="-2.14748E9" max="2.14748E9" units="cm"/>
+          <inkml:channel name="Y" type="integer" min="-2.14748E9" max="2.14748E9" units="cm"/>
+          <inkml:channel name="F" type="integer" max="32767" units="dev"/>
+          <inkml:channel name="OA" type="integer" max="360" units="deg"/>
+          <inkml:channel name="OE" type="integer" max="90" units="deg"/>
+        </inkml:traceFormat>
+        <inkml:channelProperties>
+          <inkml:channelProperty channel="X" name="resolution" value="1000" units="1/cm"/>
+          <inkml:channelProperty channel="Y" name="resolution" value="1000" units="1/cm"/>
+          <inkml:channelProperty channel="F" name="resolution" value="0" units="1/dev"/>
+          <inkml:channelProperty channel="OA" name="resolution" value="1000" units="1/deg"/>
+          <inkml:channelProperty channel="OE" name="resolution" value="1000" units="1/deg"/>
+        </inkml:channelProperties>
+      </inkml:inkSource>
+      <inkml:timestamp xml:id="ts0" timeString="2021-03-12T20:00:53.098"/>
+    </inkml:context>
+    <inkml:brush xml:id="br0">
+      <inkml:brushProperty name="width" value="0.05" units="cm"/>
+      <inkml:brushProperty name="height" value="0.05" units="cm"/>
+      <inkml:brushProperty name="color" value="#004F8B"/>
+    </inkml:brush>
+  </inkml:definitions>
+  <inkml:trace contextRef="#ctx0" brushRef="#br0">116 1 23039 0 0,'0'0'528'0'0,"-1"0"-396"0"0,1 0 0 0 0,-1 1 0 0 0,0-1 0 0 0,0 0 0 0 0,0 1 0 0 0,1-1 0 0 0,-1 1 0 0 0,0-1-1 0 0,0 1 1 0 0,1-1 0 0 0,-1 1 0 0 0,0 0 0 0 0,1-1 0 0 0,-1 2 0 0 0,-4 15-121 0 0,2 0-1 0 0,0-1 1 0 0,-1 32-1 0 0,1-11 412 0 0,0 155 1201 0 0,4-110-710 0 0,-1-49-718 0 0,1 0 0 0 0,9 57 0 0 0,0-64-2359 0 0,-10-38-4396 0 0,-4-5 4160 0 0</inkml:trace>
+  <inkml:trace contextRef="#ctx0" brushRef="#br0" timeOffset="1">1 261 23039 0 0,'0'0'2960'0'0,"8"-2"-1952"0"0,47-7 1398 0 0,-40 5-2125 0 0,1 1 1 0 0,0 1 0 0 0,0 0 0 0 0,0 1-1 0 0,28 2 1 0 0,-28 1-648 0 0,-1 1 0 0 0,17 6 0 0 0,-21-5-978 0 0,0 0 1 0 0,-1 0-1 0 0,1 1 0 0 0,-1 1 0 0 0,0 0 0 0 0,13 10 0 0 0,-10-3-1215 0 0</inkml:trace>
+</inkml:ink>
+</file>
+
+<file path=ppt/ink/ink19.xml><?xml version="1.0" encoding="utf-8"?>
+<inkml:ink xmlns:inkml="http://www.w3.org/2003/InkML">
+  <inkml:definitions>
+    <inkml:context xml:id="ctx0">
+      <inkml:inkSource xml:id="inkSrc0">
+        <inkml:traceFormat>
+          <inkml:channel name="X" type="integer" min="-2.14748E9" max="2.14748E9" units="cm"/>
+          <inkml:channel name="Y" type="integer" min="-2.14748E9" max="2.14748E9" units="cm"/>
+          <inkml:channel name="F" type="integer" max="32767" units="dev"/>
+          <inkml:channel name="OA" type="integer" max="360" units="deg"/>
+          <inkml:channel name="OE" type="integer" max="90" units="deg"/>
+        </inkml:traceFormat>
+        <inkml:channelProperties>
+          <inkml:channelProperty channel="X" name="resolution" value="1000" units="1/cm"/>
+          <inkml:channelProperty channel="Y" name="resolution" value="1000" units="1/cm"/>
+          <inkml:channelProperty channel="F" name="resolution" value="0" units="1/dev"/>
+          <inkml:channelProperty channel="OA" name="resolution" value="1000" units="1/deg"/>
+          <inkml:channelProperty channel="OE" name="resolution" value="1000" units="1/deg"/>
+        </inkml:channelProperties>
+      </inkml:inkSource>
+      <inkml:timestamp xml:id="ts0" timeString="2021-03-12T20:00:53.429"/>
+    </inkml:context>
+    <inkml:brush xml:id="br0">
+      <inkml:brushProperty name="width" value="0.05" units="cm"/>
+      <inkml:brushProperty name="height" value="0.05" units="cm"/>
+      <inkml:brushProperty name="color" value="#004F8B"/>
+    </inkml:brush>
+  </inkml:definitions>
+  <inkml:trace contextRef="#ctx0" brushRef="#br0">0 189 21191 0 0,'0'0'2127'0'0,"15"-3"-1926"0"0,-3-2 55 0 0,-1 1 0 0 0,1-2 0 0 0,-1 1 0 0 0,0-2 0 0 0,0 0 0 0 0,-1 0 0 0 0,0 0 0 0 0,-1-1 0 0 0,1-1 0 0 0,-1 0 0 0 0,-1 0 0 0 0,0-1 0 0 0,0 0 0 0 0,-1 0 0 0 0,9-17 0 0 0,-15 24-238 0 0,1 0 163 0 0,0 0 1 0 0,-1 0 0 0 0,0 0-1 0 0,0 0 1 0 0,2-6 0 0 0,-3 8-157 0 0,0 0 0 0 0,0 1 1 0 0,0-1-1 0 0,0 0 1 0 0,0 1-1 0 0,0-1 1 0 0,0 0-1 0 0,0 1 0 0 0,-1-1 1 0 0,1 0-1 0 0,0 1 1 0 0,0-1-1 0 0,-1 1 0 0 0,1-1 1 0 0,0 0-1 0 0,0 1 1 0 0,-1-1-1 0 0,1 1 1 0 0,-1-1-1 0 0,1 1 0 0 0,-1-1 1 0 0,1 1-1 0 0,-1-1 1 0 0,1 1-1 0 0,-1 0 0 0 0,1-1 1 0 0,-1 1-1 0 0,1 0 1 0 0,-1-1-1 0 0,1 1 1 0 0,-1 0-1 0 0,0-1 0 0 0,1 1 1 0 0,-1 0-1 0 0,0 0 1 0 0,0 0-1 0 0,-1 0-25 0 0,0 0 0 0 0,1 0 0 0 0,-1 0 0 0 0,0 0 0 0 0,0 0 0 0 0,1 1 0 0 0,-1-1 0 0 0,0 0 0 0 0,0 1 0 0 0,1 0 0 0 0,-1-1 0 0 0,1 1 0 0 0,-1 0 0 0 0,-1 1 0 0 0,-21 16 0 0 0,14-7 180 0 0,0 1 0 0 0,0 0 0 0 0,1 1 0 0 0,1 0 0 0 0,0 1 0 0 0,1-1 0 0 0,-9 24 0 0 0,15-32-122 0 0,-1-1 0 0 0,1 1 0 0 0,0-1 1 0 0,0 1-1 0 0,1 0 0 0 0,-1 0 0 0 0,1-1 0 0 0,0 1 0 0 0,0 0 0 0 0,1 0 1 0 0,-1-1-1 0 0,1 1 0 0 0,2 6 0 0 0,-3-10-116 0 0,1 1-1 0 0,0 0 1 0 0,-1 0-1 0 0,1-1 1 0 0,0 1-1 0 0,0 0 1 0 0,1-1-1 0 0,-1 1 1 0 0,0-1-1 0 0,0 1 1 0 0,1-1-1 0 0,-1 0 1 0 0,1 1-1 0 0,-1-1 1 0 0,1 0-1 0 0,0 0 1 0 0,-1 0-1 0 0,1 0 1 0 0,0 0-1 0 0,0-1 1 0 0,-1 1-1 0 0,1 0 1 0 0,0-1-1 0 0,0 0 1 0 0,0 1-1 0 0,0-1 1 0 0,0 0-1 0 0,0 0 1 0 0,0 0-1 0 0,0 0 1 0 0,0 0-1 0 0,0 0 1 0 0,3-2-1 0 0,7 0-822 0 0,-1-2-1 0 0,0 0 0 0 0,0 0 0 0 0,0-1 1 0 0,16-9-1 0 0,5-6-4560 0 0,-23 14 2863 0 0,14-7-4614 0 0</inkml:trace>
+</inkml:ink>
+</file>
+
+<file path=ppt/ink/ink2.xml><?xml version="1.0" encoding="utf-8"?>
+<inkml:ink xmlns:inkml="http://www.w3.org/2003/InkML">
+  <inkml:definitions>
+    <inkml:context xml:id="ctx0">
+      <inkml:inkSource xml:id="inkSrc0">
+        <inkml:traceFormat>
+          <inkml:channel name="X" type="integer" min="-2.14748E9" max="2.14748E9" units="cm"/>
+          <inkml:channel name="Y" type="integer" min="-2.14748E9" max="2.14748E9" units="cm"/>
+          <inkml:channel name="F" type="integer" max="32767" units="dev"/>
+          <inkml:channel name="OA" type="integer" max="360" units="deg"/>
+          <inkml:channel name="OE" type="integer" max="90" units="deg"/>
+        </inkml:traceFormat>
+        <inkml:channelProperties>
+          <inkml:channelProperty channel="X" name="resolution" value="1000" units="1/cm"/>
+          <inkml:channelProperty channel="Y" name="resolution" value="1000" units="1/cm"/>
+          <inkml:channelProperty channel="F" name="resolution" value="0" units="1/dev"/>
+          <inkml:channelProperty channel="OA" name="resolution" value="1000" units="1/deg"/>
+          <inkml:channelProperty channel="OE" name="resolution" value="1000" units="1/deg"/>
+        </inkml:channelProperties>
+      </inkml:inkSource>
+      <inkml:timestamp xml:id="ts0" timeString="2021-03-12T20:00:34.866"/>
+    </inkml:context>
+    <inkml:brush xml:id="br0">
+      <inkml:brushProperty name="width" value="0.05" units="cm"/>
+      <inkml:brushProperty name="height" value="0.05" units="cm"/>
+      <inkml:brushProperty name="color" value="#004F8B"/>
+    </inkml:brush>
+  </inkml:definitions>
+  <inkml:trace contextRef="#ctx0" brushRef="#br0">297 349 8288 0 0,'0'-12'439'0'0,"6"-26"1"0"0,0-1-345 0 0,2-18 1173 0 0,1-6 1004 0 0,-2 24-373 0 0,-5 31-1406 0 0,-1 0-1 0 0,1-1 1 0 0,-1-10-1 0 0,0 4 335 0 0,0 14-688 0 0,-1-1 1 0 0,0 0-1 0 0,0 0 0 0 0,0 0 0 0 0,0 0 1 0 0,0 0-1 0 0,0 0 0 0 0,0 0 0 0 0,-1 0 0 0 0,1 0 1 0 0,-1 0-1 0 0,1 0 0 0 0,-2-2 0 0 0,0 2 190 0 0,-5-9 4303 0 0,0 12-2796 0 0,0 2-2378 0 0,5-1 613 0 0,-1-1 0 0 0,1 1 0 0 0,0 0 0 0 0,0 0 0 0 0,0 0 0 0 0,0 1 0 0 0,0-1 0 0 0,0 0 0 0 0,0 1 0 0 0,-2 4 1 0 0,-11 30-60 0 0,9-21 38 0 0,-49 167 69 0 0,35-110-121 0 0,2 14 46 0 0,8-30-13 0 0,-49 293 690 0 0,59-348-709 0 0,-5 45 130 0 0,4-32-64 0 0,0 0 0 0 0,-1 1 0 0 0,-1-1 0 0 0,-7 22 0 0 0,9-36 38 0 0,1-1-96 0 0,-1 0 0 0 0,0 0 0 0 0,1-1 0 0 0,-1 1 0 0 0,1 0 0 0 0,-1 0 0 0 0,0-1 0 0 0,1 1 0 0 0,-1-1 0 0 0,1 1 0 0 0,-1 0 0 0 0,1-1 0 0 0,-1 1 0 0 0,1-1 0 0 0,0 1 0 0 0,-1-1 0 0 0,1 1 0 0 0,-1-1 0 0 0,1 0 0 0 0,-1 0 0 0 0,-6-16 164 0 0,5 13-107 0 0,-8-21 145 0 0,1-1 0 0 0,1 0-1 0 0,-10-52 1 0 0,7 25-126 0 0,7 43 2 0 0,2 7-38 0 0,2 7-42 0 0,3 40-18 0 0,3-16-23 0 0,3 12-26 0 0,-4-23 49 0 0,-2-7 0 0 0,1 1 0 0 0,0 0 0 0 0,0-1 0 0 0,1 0 0 0 0,12 18 0 0 0,-16-26 8 0 0,0-1 0 0 0,0 1 0 0 0,1-1 0 0 0,-1 0 0 0 0,1 0 0 0 0,-1 0 0 0 0,1 0 0 0 0,-1 0 0 0 0,1 0 0 0 0,-1 0 0 0 0,1 0 0 0 0,0 0 0 0 0,0-1 1 0 0,-1 1-1 0 0,1-1 0 0 0,0 1 0 0 0,0-1 0 0 0,0 0 0 0 0,0 0 0 0 0,-1 0 0 0 0,1 0 0 0 0,0 0 0 0 0,0 0 0 0 0,0 0 0 0 0,0 0 0 0 0,-1-1 0 0 0,1 1 0 0 0,3-2 0 0 0,1 0 54 0 0,-1-1 0 0 0,0 0 0 0 0,1 0 0 0 0,-1 0-1 0 0,0 0 1 0 0,0-1 0 0 0,6-6 0 0 0,38-30 598 0 0,-26 23-295 0 0,-6 2-324 0 0,-11 10-121 0 0,-1 0 1 0 0,1 0-1 0 0,0 1 1 0 0,7-4-1 0 0,53-28-7037 0 0,-50 26 5134 0 0</inkml:trace>
+</inkml:ink>
+</file>
+
+<file path=ppt/ink/ink20.xml><?xml version="1.0" encoding="utf-8"?>
+<inkml:ink xmlns:inkml="http://www.w3.org/2003/InkML">
+  <inkml:definitions>
+    <inkml:context xml:id="ctx0">
+      <inkml:inkSource xml:id="inkSrc0">
+        <inkml:traceFormat>
+          <inkml:channel name="X" type="integer" min="-2.14748E9" max="2.14748E9" units="cm"/>
+          <inkml:channel name="Y" type="integer" min="-2.14748E9" max="2.14748E9" units="cm"/>
+          <inkml:channel name="F" type="integer" max="32767" units="dev"/>
+          <inkml:channel name="OA" type="integer" max="360" units="deg"/>
+          <inkml:channel name="OE" type="integer" max="90" units="deg"/>
+        </inkml:traceFormat>
+        <inkml:channelProperties>
+          <inkml:channelProperty channel="X" name="resolution" value="1000" units="1/cm"/>
+          <inkml:channelProperty channel="Y" name="resolution" value="1000" units="1/cm"/>
+          <inkml:channelProperty channel="F" name="resolution" value="0" units="1/dev"/>
+          <inkml:channelProperty channel="OA" name="resolution" value="1000" units="1/deg"/>
+          <inkml:channelProperty channel="OE" name="resolution" value="1000" units="1/deg"/>
+        </inkml:channelProperties>
+      </inkml:inkSource>
+      <inkml:timestamp xml:id="ts0" timeString="2021-03-12T20:00:53.822"/>
+    </inkml:context>
+    <inkml:brush xml:id="br0">
+      <inkml:brushProperty name="width" value="0.05" units="cm"/>
+      <inkml:brushProperty name="height" value="0.05" units="cm"/>
+      <inkml:brushProperty name="color" value="#004F8B"/>
+    </inkml:brush>
+  </inkml:definitions>
+  <inkml:trace contextRef="#ctx0" brushRef="#br0">139 8 19351 0 0,'-14'-7'2096'0'0,"12"7"-1848"0"0,1 0-1 0 0,-1 0 0 0 0,1 0 0 0 0,-1 1 1 0 0,1-1-1 0 0,-1 0 0 0 0,1 1 1 0 0,-1 0-1 0 0,1-1 0 0 0,-1 1 0 0 0,1 0 1 0 0,0-1-1 0 0,0 1 0 0 0,-1 0 1 0 0,1 0-1 0 0,0 0 0 0 0,0 0 0 0 0,0 1 1 0 0,0-1-1 0 0,0 0 0 0 0,-1 2 1 0 0,1-1 134 0 0,-1 1 1 0 0,1-1-1 0 0,0 1 1 0 0,0 0-1 0 0,0-1 1 0 0,0 1-1 0 0,0 0 1 0 0,1-1-1 0 0,-1 1 1 0 0,1 6-1 0 0,0-8-359 0 0,0 0-1 0 0,0 1 1 0 0,1-1-1 0 0,-1 0 1 0 0,0 1 0 0 0,1-1-1 0 0,-1 0 1 0 0,1 0-1 0 0,-1 1 1 0 0,1-1 0 0 0,0 0-1 0 0,-1 0 1 0 0,1 0 0 0 0,0 0-1 0 0,0 0 1 0 0,1 1-1 0 0,19 14 193 0 0,-14-11-198 0 0,-6-4-17 0 0,1 0 0 0 0,-1 0 0 0 0,0 0 0 0 0,1 0 0 0 0,-1 0 0 0 0,0 0 0 0 0,0 1 0 0 0,0-1 0 0 0,0 0 0 0 0,0 1 0 0 0,0-1 0 0 0,0 1 0 0 0,0-1 0 0 0,-1 1 0 0 0,1-1 0 0 0,0 1 0 0 0,-1-1 0 0 0,0 1 0 0 0,1 0 0 0 0,-1-1 0 0 0,0 1 0 0 0,0 0 0 0 0,1-1 0 0 0,-1 1 0 0 0,-1 0 0 0 0,1-1 0 0 0,0 1 0 0 0,0 0 0 0 0,-1-1 0 0 0,1 1 0 0 0,-1-1 0 0 0,0 3 0 0 0,-2 1 0 0 0,0 1 0 0 0,0-1 0 0 0,-1 0 0 0 0,1 0 0 0 0,-1 0 0 0 0,-6 6 0 0 0,6-7 0 0 0,-2 2 0 0 0,1 0 0 0 0,0-1 0 0 0,0 1 0 0 0,-1-1 0 0 0,1-1 0 0 0,-1 1 0 0 0,-7 3 0 0 0,-41 22-4568 0 0</inkml:trace>
+</inkml:ink>
+</file>
+
+<file path=ppt/ink/ink21.xml><?xml version="1.0" encoding="utf-8"?>
+<inkml:ink xmlns:inkml="http://www.w3.org/2003/InkML">
+  <inkml:definitions>
+    <inkml:context xml:id="ctx0">
+      <inkml:inkSource xml:id="inkSrc0">
+        <inkml:traceFormat>
+          <inkml:channel name="X" type="integer" min="-2.14748E9" max="2.14748E9" units="cm"/>
+          <inkml:channel name="Y" type="integer" min="-2.14748E9" max="2.14748E9" units="cm"/>
+          <inkml:channel name="F" type="integer" max="32767" units="dev"/>
+          <inkml:channel name="OA" type="integer" max="360" units="deg"/>
+          <inkml:channel name="OE" type="integer" max="90" units="deg"/>
+        </inkml:traceFormat>
+        <inkml:channelProperties>
+          <inkml:channelProperty channel="X" name="resolution" value="1000" units="1/cm"/>
+          <inkml:channelProperty channel="Y" name="resolution" value="1000" units="1/cm"/>
+          <inkml:channelProperty channel="F" name="resolution" value="0" units="1/dev"/>
+          <inkml:channelProperty channel="OA" name="resolution" value="1000" units="1/deg"/>
+          <inkml:channelProperty channel="OE" name="resolution" value="1000" units="1/deg"/>
+        </inkml:channelProperties>
+      </inkml:inkSource>
+      <inkml:timestamp xml:id="ts0" timeString="2021-03-12T20:00:56.037"/>
+    </inkml:context>
+    <inkml:brush xml:id="br0">
+      <inkml:brushProperty name="width" value="0.05" units="cm"/>
+      <inkml:brushProperty name="height" value="0.05" units="cm"/>
+      <inkml:brushProperty name="color" value="#004F8B"/>
+    </inkml:brush>
+  </inkml:definitions>
+  <inkml:trace contextRef="#ctx0" brushRef="#br0">139 29 6448 0 0,'0'0'498'0'0,"-20"0"557"0"0,-2 0 1956 0 0,2-1 472 0 0,-25 4 0 0 0,13-4 5137 0 0,38 4-8496 0 0,0 0-1 0 0,0 0 1 0 0,1 0-1 0 0,-1-1 1 0 0,0 0 0 0 0,1-1-1 0 0,0 1 1 0 0,8 0 0 0 0,57-1 438 0 0,-45-1 124 0 0,11-2-365 0 0,60-10 1 0 0,14-2-61 0 0,-70 12-209 0 0,128-10 160 0 0,-108 6-193 0 0,-1 3-1 0 0,1 2 1 0 0,97 13 0 0 0,-146-11 2 0 0,161 25 432 0 0,-55-4 316 0 0,-18-4-1095 0 0,-54-8 247 0 0,151 25 421 0 0,43-1-152 0 0,-42-3-715 0 0,-155-22 572 0 0,18 3 158 0 0,1-2 0 0 0,83 2-1 0 0,166-12 380 0 0,-269 0-522 0 0,27 0-2296 0 0,-92 6-1804 0 0,10-2-5517 0 0</inkml:trace>
+</inkml:ink>
+</file>
+
+<file path=ppt/ink/ink3.xml><?xml version="1.0" encoding="utf-8"?>
+<inkml:ink xmlns:inkml="http://www.w3.org/2003/InkML">
+  <inkml:definitions>
+    <inkml:context xml:id="ctx0">
+      <inkml:inkSource xml:id="inkSrc0">
+        <inkml:traceFormat>
+          <inkml:channel name="X" type="integer" min="-2.14748E9" max="2.14748E9" units="cm"/>
+          <inkml:channel name="Y" type="integer" min="-2.14748E9" max="2.14748E9" units="cm"/>
+          <inkml:channel name="F" type="integer" max="32767" units="dev"/>
+          <inkml:channel name="OA" type="integer" max="360" units="deg"/>
+          <inkml:channel name="OE" type="integer" max="90" units="deg"/>
+        </inkml:traceFormat>
+        <inkml:channelProperties>
+          <inkml:channelProperty channel="X" name="resolution" value="1000" units="1/cm"/>
+          <inkml:channelProperty channel="Y" name="resolution" value="1000" units="1/cm"/>
+          <inkml:channelProperty channel="F" name="resolution" value="0" units="1/dev"/>
+          <inkml:channelProperty channel="OA" name="resolution" value="1000" units="1/deg"/>
+          <inkml:channelProperty channel="OE" name="resolution" value="1000" units="1/deg"/>
+        </inkml:channelProperties>
+      </inkml:inkSource>
+      <inkml:timestamp xml:id="ts0" timeString="2021-03-12T20:00:36.872"/>
+    </inkml:context>
+    <inkml:brush xml:id="br0">
+      <inkml:brushProperty name="width" value="0.05" units="cm"/>
+      <inkml:brushProperty name="height" value="0.05" units="cm"/>
+      <inkml:brushProperty name="color" value="#004F8B"/>
+    </inkml:brush>
+  </inkml:definitions>
+  <inkml:trace contextRef="#ctx0" brushRef="#br0">48 12 10136 0 0,'-8'7'769'0'0,"0"-2"-442"0"0,-23 15 14284 0 0,36-20-15807 0 0,33-1 2318 0 0,-19 0-734 0 0,22 1 0 0 0,8 4-71 0 0,89 10 292 0 0,-104-11-469 0 0,67-1 0 0 0,34-13-188 0 0,-21-3 207 0 0,56-5 629 0 0,-57 12-671 0 0,124-5 86 0 0,-5 10 79 0 0,-121 4-103 0 0,79 10 93 0 0,-131-7-219 0 0,123 13 22 0 0,6-3-22 0 0,38-12 108 0 0,-38-2-447 0 0,-158 1 502 0 0,157 9 112 0 0,137 2-317 0 0,-294-12 24 0 0,45 8 0 0 0,-30-3 12 0 0,76 3 17 0 0,22-3 0 0 0,-85-5-35 0 0,-15 0 9 0 0,-1-1 0 0 0,1-3 0 0 0,56-9 0 0 0,-44 0 316 0 0,73-4-1 0 0,-82 12-360 0 0,94-4-442 0 0,-49 7 467 0 0,76 1 28 0 0,203 33 474 0 0,-229-26-480 0 0,14 3 288 0 0,-109-11-227 0 0,-14 0 17 0 0,-29 1-86 0 0,23 0 0 0 0,0 0 0 0 0,-1-1 0 0 0,0-2 0 0 0,48-11 0 0 0,-71 14-26 0 0,0-1-1 0 0,0 1 1 0 0,0-1 0 0 0,0 0 0 0 0,-1 1 0 0 0,1-1-1 0 0,0 0 1 0 0,-1 0 0 0 0,1 0 0 0 0,-1-1 0 0 0,1 1 0 0 0,-1 0-1 0 0,3-3 1 0 0,-2 2 19 0 0,-2 1-24 0 0,1 1-1 0 0,-1-1 1 0 0,1 0-1 0 0,-1 1 1 0 0,0-1-1 0 0,1 0 1 0 0,-1 0-1 0 0,0 1 0 0 0,0-1 1 0 0,0 0-1 0 0,1 0 1 0 0,-1 0-1 0 0,0 1 1 0 0,0-1-1 0 0,0 0 1 0 0,0 0-1 0 0,0 0 1 0 0,0 0-1 0 0,0 1 0 0 0,-1-1 1 0 0,1 0-1 0 0,0 0 1 0 0,-1 0-1 0 0,1 0 0 0 0,0 0-20 0 0,-1-1 1 0 0,0 1-1 0 0,1 0 1 0 0,-1-1-1 0 0,0 1 1 0 0,0 0-1 0 0,0 0 0 0 0,0 0 1 0 0,0-1-1 0 0,0 1 1 0 0,0 0-1 0 0,0 0 0 0 0,-1 1 1 0 0,1-1-1 0 0,-2-1 1 0 0,0 0-134 0 0,-1 0 1 0 0,1 0 0 0 0,0 1 0 0 0,-1 0 0 0 0,-4-2-1 0 0,6 3-382 0 0,-1 0 0 0 0,1 0 0 0 0,-1 0 0 0 0,1 0 0 0 0,-1 0-1 0 0,1 0 1 0 0,-6 2 0 0 0</inkml:trace>
+</inkml:ink>
+</file>
+
+<file path=ppt/ink/ink4.xml><?xml version="1.0" encoding="utf-8"?>
+<inkml:ink xmlns:inkml="http://www.w3.org/2003/InkML">
+  <inkml:definitions>
+    <inkml:context xml:id="ctx0">
+      <inkml:inkSource xml:id="inkSrc0">
+        <inkml:traceFormat>
+          <inkml:channel name="X" type="integer" min="-2.14748E9" max="2.14748E9" units="cm"/>
+          <inkml:channel name="Y" type="integer" min="-2.14748E9" max="2.14748E9" units="cm"/>
+          <inkml:channel name="F" type="integer" max="32767" units="dev"/>
+          <inkml:channel name="OA" type="integer" max="360" units="deg"/>
+          <inkml:channel name="OE" type="integer" max="90" units="deg"/>
+        </inkml:traceFormat>
+        <inkml:channelProperties>
+          <inkml:channelProperty channel="X" name="resolution" value="1000" units="1/cm"/>
+          <inkml:channelProperty channel="Y" name="resolution" value="1000" units="1/cm"/>
+          <inkml:channelProperty channel="F" name="resolution" value="0" units="1/dev"/>
+          <inkml:channelProperty channel="OA" name="resolution" value="1000" units="1/deg"/>
+          <inkml:channelProperty channel="OE" name="resolution" value="1000" units="1/deg"/>
+        </inkml:channelProperties>
+      </inkml:inkSource>
+      <inkml:timestamp xml:id="ts0" timeString="2021-03-12T20:00:37.441"/>
+    </inkml:context>
+    <inkml:brush xml:id="br0">
+      <inkml:brushProperty name="width" value="0.05" units="cm"/>
+      <inkml:brushProperty name="height" value="0.05" units="cm"/>
+      <inkml:brushProperty name="color" value="#004F8B"/>
+    </inkml:brush>
+  </inkml:definitions>
+  <inkml:trace contextRef="#ctx0" brushRef="#br0">79 113 3224 0 0,'6'-11'142'0'0,"6"-9"1294"0"0,-3 7 2607 0 0,8-7 1986 0 0,-11 10-4165 0 0,2 1 1 0 0,-1 1-1 0 0,15-14 2799 0 0,-19 36-3426 0 0,-2-13-1182 0 0,-1 1 0 0 0,1-1 0 0 0,-1 1 0 0 0,0 0 0 0 0,1-1 0 0 0,-1 1 0 0 0,0-1 0 0 0,0 4 0 0 0,-4 20 437 0 0,-1 0-1 0 0,-1 0 1 0 0,-10 27 0 0 0,-34 72 453 0 0,12-31-483 0 0,24-58-478 0 0,2 1 0 0 0,-15 74 0 0 0,28-96-1469 0 0,9-26-7419 0 0</inkml:trace>
+</inkml:ink>
+</file>
+
+<file path=ppt/ink/ink5.xml><?xml version="1.0" encoding="utf-8"?>
+<inkml:ink xmlns:inkml="http://www.w3.org/2003/InkML">
+  <inkml:definitions>
+    <inkml:context xml:id="ctx0">
+      <inkml:inkSource xml:id="inkSrc0">
+        <inkml:traceFormat>
+          <inkml:channel name="X" type="integer" min="-2.14748E9" max="2.14748E9" units="cm"/>
+          <inkml:channel name="Y" type="integer" min="-2.14748E9" max="2.14748E9" units="cm"/>
+          <inkml:channel name="F" type="integer" max="32767" units="dev"/>
+          <inkml:channel name="OA" type="integer" max="360" units="deg"/>
+          <inkml:channel name="OE" type="integer" max="90" units="deg"/>
+        </inkml:traceFormat>
+        <inkml:channelProperties>
+          <inkml:channelProperty channel="X" name="resolution" value="1000" units="1/cm"/>
+          <inkml:channelProperty channel="Y" name="resolution" value="1000" units="1/cm"/>
+          <inkml:channelProperty channel="F" name="resolution" value="0" units="1/dev"/>
+          <inkml:channelProperty channel="OA" name="resolution" value="1000" units="1/deg"/>
+          <inkml:channelProperty channel="OE" name="resolution" value="1000" units="1/deg"/>
+        </inkml:channelProperties>
+      </inkml:inkSource>
+      <inkml:timestamp xml:id="ts0" timeString="2021-03-12T20:00:37.790"/>
+    </inkml:context>
+    <inkml:brush xml:id="br0">
+      <inkml:brushProperty name="width" value="0.05" units="cm"/>
+      <inkml:brushProperty name="height" value="0.05" units="cm"/>
+      <inkml:brushProperty name="color" value="#004F8B"/>
+    </inkml:brush>
+  </inkml:definitions>
+  <inkml:trace contextRef="#ctx0" brushRef="#br0">11 218 21191 0 0,'0'0'480'0'0,"-8"-5"1348"0"0,7 4-1738 0 0,1 0-1 0 0,-1-1 1 0 0,1 1-1 0 0,0 0 1 0 0,-1-1 0 0 0,1 1-1 0 0,0 0 1 0 0,0 0-1 0 0,0-1 1 0 0,0 1-1 0 0,0 0 1 0 0,1-1-1 0 0,-1 1 1 0 0,0 0-1 0 0,0-1 1 0 0,1 1-1 0 0,-1 0 1 0 0,1 0 0 0 0,-1-1-1 0 0,1 1 1 0 0,0 0-1 0 0,-1 0 1 0 0,1 0-1 0 0,0 0 1 0 0,0 0-1 0 0,0 0 1 0 0,0 0-1 0 0,1-2 1 0 0,6-4 773 0 0,0 0 0 0 0,16-10 0 0 0,-11 7-944 0 0,147-110 2024 0 0,-158 118-1936 0 0,0 1-1 0 0,0-1 1 0 0,1 1 0 0 0,-1-1-1 0 0,1 1 1 0 0,-1 0 0 0 0,1 0 0 0 0,-1 0-1 0 0,1 1 1 0 0,0-1 0 0 0,-1 0-1 0 0,1 1 1 0 0,0 0 0 0 0,0 0-1 0 0,-1 0 1 0 0,7 0 0 0 0,-7 1 48 0 0,1 0 0 0 0,0 0 0 0 0,0 0 0 0 0,-1 1 0 0 0,1-1 0 0 0,-1 0 0 0 0,1 1 1 0 0,-1 0-1 0 0,0 0 0 0 0,1-1 0 0 0,-1 2 0 0 0,0-1 0 0 0,0 0 0 0 0,0 0 0 0 0,-1 0 1 0 0,3 4-1 0 0,1 3-95 0 0,0 1 1 0 0,-1-1-1 0 0,0 1 1 0 0,-1 0 0 0 0,0 0-1 0 0,-1 0 1 0 0,2 16-1 0 0,-1-10 235 0 0,9 31-1 0 0,-10-44-195 0 0,-1 1 1 0 0,1-1-1 0 0,0 1 0 0 0,0-1 0 0 0,0 0 0 0 0,0 0 1 0 0,4 5-1 0 0,-5-7-114 0 0,0 0 1 0 0,0-1 0 0 0,0 1-1 0 0,0 0 1 0 0,0 0-1 0 0,1 0 1 0 0,-1-1-1 0 0,0 1 1 0 0,0 0-1 0 0,0-1 1 0 0,1 1-1 0 0,-1-1 1 0 0,0 1-1 0 0,0-1 1 0 0,1 0 0 0 0,-1 0-1 0 0,0 0 1 0 0,1 1-1 0 0,-1-1 1 0 0,0 0-1 0 0,1-1 1 0 0,-1 1-1 0 0,3 0 1 0 0,4-3-1005 0 0,0 1-1 0 0,0-1 1 0 0,-1-1 0 0 0,9-4 0 0 0,-4 0-7411 0 0</inkml:trace>
+</inkml:ink>
+</file>
+
+<file path=ppt/ink/ink6.xml><?xml version="1.0" encoding="utf-8"?>
+<inkml:ink xmlns:inkml="http://www.w3.org/2003/InkML">
+  <inkml:definitions>
+    <inkml:context xml:id="ctx0">
+      <inkml:inkSource xml:id="inkSrc0">
+        <inkml:traceFormat>
+          <inkml:channel name="X" type="integer" min="-2.14748E9" max="2.14748E9" units="cm"/>
+          <inkml:channel name="Y" type="integer" min="-2.14748E9" max="2.14748E9" units="cm"/>
+          <inkml:channel name="F" type="integer" max="32767" units="dev"/>
+          <inkml:channel name="OA" type="integer" max="360" units="deg"/>
+          <inkml:channel name="OE" type="integer" max="90" units="deg"/>
+        </inkml:traceFormat>
+        <inkml:channelProperties>
+          <inkml:channelProperty channel="X" name="resolution" value="1000" units="1/cm"/>
+          <inkml:channelProperty channel="Y" name="resolution" value="1000" units="1/cm"/>
+          <inkml:channelProperty channel="F" name="resolution" value="0" units="1/dev"/>
+          <inkml:channelProperty channel="OA" name="resolution" value="1000" units="1/deg"/>
+          <inkml:channelProperty channel="OE" name="resolution" value="1000" units="1/deg"/>
+        </inkml:channelProperties>
+      </inkml:inkSource>
+      <inkml:timestamp xml:id="ts0" timeString="2021-03-12T20:00:40.585"/>
+    </inkml:context>
+    <inkml:brush xml:id="br0">
+      <inkml:brushProperty name="width" value="0.05" units="cm"/>
+      <inkml:brushProperty name="height" value="0.05" units="cm"/>
+      <inkml:brushProperty name="color" value="#004F8B"/>
+    </inkml:brush>
+  </inkml:definitions>
+  <inkml:trace contextRef="#ctx0" brushRef="#br0">6 281 4144 0 0,'0'0'191'0'0,"-6"-8"26"0"0,6 4 773 0 0,0 0-1 0 0,1 0 1 0 0,-1 0 0 0 0,1 0-1 0 0,-1 0 1 0 0,1 0 0 0 0,2-5 0 0 0,-2 7-487 0 0,0 0 0 0 0,0 0 0 0 0,1 0 0 0 0,-1 0 0 0 0,0 1 0 0 0,1-1 0 0 0,-1 1 0 0 0,1-1 1 0 0,-1 1-1 0 0,1-1 0 0 0,0 1 0 0 0,0 0 0 0 0,0 0 0 0 0,-1 0 0 0 0,5-2 0 0 0,8-2-199 0 0,0 0 0 0 0,0 1-1 0 0,1 1 1 0 0,0 0-1 0 0,-1 1 1 0 0,20-1-1 0 0,92 6 1033 0 0,-118-3-1269 0 0,414 20 2453 0 0,-266-23-1915 0 0,-40-2-211 0 0,-98 5-335 0 0,103-3 286 0 0,-120 3-333 0 0,-1 0 1 0 0,1 0-1 0 0,0 0 1 0 0,-1 0-1 0 0,1-1 1 0 0,0 1-1 0 0,0 0 1 0 0,-1 0-1 0 0,1 0 1 0 0,0-1-1 0 0,-1 1 0 0 0,1 0 1 0 0,0-1-1 0 0,-1 1 1 0 0,1 0-1 0 0,-1-1 1 0 0,1 1-1 0 0,0-1 1 0 0,-1 1-1 0 0,1-1 1 0 0,-1 1-1 0 0,1-1 1 0 0,-1 1-1 0 0,0-1 1 0 0,1-1-1 0 0,0 1 4 0 0,-2 0 0 0 0,1 0 0 0 0,0 0-1 0 0,0 0 1 0 0,0 0 0 0 0,0 0 0 0 0,-1 0 0 0 0,1 0 0 0 0,0 0 0 0 0,-1 0-1 0 0,1 0 1 0 0,-1 0 0 0 0,1 1 0 0 0,-1-1 0 0 0,1 0 0 0 0,-1 0 0 0 0,0 0-1 0 0,1 1 1 0 0,-2-2 0 0 0,-6-4 26 0 0,1 0 0 0 0,-1 1-1 0 0,1 0 1 0 0,-2 0 0 0 0,1 1 0 0 0,-16-7 0 0 0,-6-2-31 0 0,-19-9 33 0 0,-50-16 0 0 0,86 34-19 0 0,-27-13-14 0 0,29 12-11 0 0,0 0 0 0 0,0 1 0 0 0,0 0 0 0 0,-1 1 0 0 0,1 0 0 0 0,-1 1 0 0 0,-12-1 0 0 0,8 1 0 0 0,47 19-64 0 0,-19-12 90 0 0,0-1 0 0 0,0-1 0 0 0,1 0-1 0 0,0-1 1 0 0,13 2 0 0 0,66-3 279 0 0,6 2-85 0 0,-72-1-126 0 0,-13-2-32 0 0,0 1 0 0 0,15 3 0 0 0,-26-3-37 0 0,1 0 1 0 0,0-1 0 0 0,-1 1-1 0 0,1 0 1 0 0,-1 0-1 0 0,1 0 1 0 0,-1 1 0 0 0,1-1-1 0 0,-1 0 1 0 0,0 1-1 0 0,0 0 1 0 0,0-1 0 0 0,0 1-1 0 0,0 0 1 0 0,3 4-1 0 0,-4-4 25 0 0,0 0-1 0 0,0 0 1 0 0,-1 0-1 0 0,1 0 1 0 0,-1 1-1 0 0,1-1 1 0 0,-1 0-1 0 0,0 0 1 0 0,0 0-1 0 0,0 1 1 0 0,0-1-1 0 0,0 0 1 0 0,0 0-1 0 0,-1 0 1 0 0,1 1-1 0 0,-1-1 1 0 0,1 0-1 0 0,-1 0 1 0 0,0 0-1 0 0,0 0 1 0 0,0 0-1 0 0,0 0 1 0 0,0 0-1 0 0,-2 2 1 0 0,-3 5-111 0 0,0-1 0 0 0,-1 0 0 0 0,-13 13 0 0 0,-9 6 195 0 0,-51 36 1 0 0,40-35-78 0 0,-60 44-1125 0 0,95-67 231 0 0,0-1 0 0 0,0 1-1 0 0,1 0 1 0 0,-5 6 0 0 0,5-6-814 0 0</inkml:trace>
+</inkml:ink>
+</file>
+
+<file path=ppt/ink/ink7.xml><?xml version="1.0" encoding="utf-8"?>
+<inkml:ink xmlns:inkml="http://www.w3.org/2003/InkML">
+  <inkml:definitions>
+    <inkml:context xml:id="ctx0">
+      <inkml:inkSource xml:id="inkSrc0">
+        <inkml:traceFormat>
+          <inkml:channel name="X" type="integer" min="-2.14748E9" max="2.14748E9" units="cm"/>
+          <inkml:channel name="Y" type="integer" min="-2.14748E9" max="2.14748E9" units="cm"/>
+          <inkml:channel name="F" type="integer" max="32767" units="dev"/>
+          <inkml:channel name="OA" type="integer" max="360" units="deg"/>
+          <inkml:channel name="OE" type="integer" max="90" units="deg"/>
+        </inkml:traceFormat>
+        <inkml:channelProperties>
+          <inkml:channelProperty channel="X" name="resolution" value="1000" units="1/cm"/>
+          <inkml:channelProperty channel="Y" name="resolution" value="1000" units="1/cm"/>
+          <inkml:channelProperty channel="F" name="resolution" value="0" units="1/dev"/>
+          <inkml:channelProperty channel="OA" name="resolution" value="1000" units="1/deg"/>
+          <inkml:channelProperty channel="OE" name="resolution" value="1000" units="1/deg"/>
+        </inkml:channelProperties>
+      </inkml:inkSource>
+      <inkml:timestamp xml:id="ts0" timeString="2021-03-12T20:00:44.356"/>
+    </inkml:context>
+    <inkml:brush xml:id="br0">
+      <inkml:brushProperty name="width" value="0.05" units="cm"/>
+      <inkml:brushProperty name="height" value="0.05" units="cm"/>
+      <inkml:brushProperty name="color" value="#004F8B"/>
+    </inkml:brush>
+  </inkml:definitions>
+  <inkml:trace contextRef="#ctx0" brushRef="#br0">4 67 1840 0 0,'-4'19'15943'0'0,"5"-20"-15541"0"0,0 0 0 0 0,1 0 0 0 0,-1 1-1 0 0,0-1 1 0 0,0 0 0 0 0,0 0 0 0 0,0 1-1 0 0,1-1 1 0 0,-1 1 0 0 0,0-1 0 0 0,1 1 0 0 0,-1-1-1 0 0,0 1 1 0 0,2 0 0 0 0,-1-1-917 0 0,4 0 707 0 0,-1 0 0 0 0,1 1 0 0 0,-1-1 0 0 0,1 1 0 0 0,-1 0-1 0 0,7 2 1 0 0,7-1 248 0 0,-1 0-21 0 0,25 4 0 0 0,-6 0-1 0 0,80 12 245 0 0,-74-15-435 0 0,75-4 1 0 0,-84-1-140 0 0,47-3 281 0 0,94 4-1 0 0,152 7-111 0 0,-193-18-58 0 0,7 0 24 0 0,68 14-13 0 0,-148-1-171 0 0,-23-1-5 0 0,1-1 49 0 0,76-14 0 0 0,-51 6 20 0 0,278-33 224 0 0,-327 43-315 0 0,0 0 0 0 0,19 2 0 0 0,12 1 1 0 0,-19-2 2 0 0,35 7 0 0 0,-35-4 0 0 0,38 1 0 0 0,-31-5-7 0 0,162-5 134 0 0,-185 5-143 0 0,0 0 0 0 0,22 3 0 0 0,9 1 0 0 0,292-4 53 0 0,-141 5 22 0 0,-2 4-29 0 0,-84-2-28 0 0,61-6 93 0 0,-91-3 4 0 0,82 10-1 0 0,40 7-102 0 0,-6 5 52 0 0,-103-7-64 0 0,40 4 0 0 0,174 8 64 0 0,-218-20-34 0 0,229 20 196 0 0,-208-19-169 0 0,-1 0 33 0 0,117 12 158 0 0,-171-15-171 0 0,-22-1-8 0 0,-1-1-1 0 0,1-1 1 0 0,48-6 0 0 0,-52 2 0 0 0,-18 4-48 0 0,0-1 0 0 0,0-1-1 0 0,-1 1 1 0 0,1-1 0 0 0,0 0 0 0 0,-1-1-1 0 0,0 0 1 0 0,8-4 0 0 0,-14 7-67 0 0,0-1 1 0 0,0 1 0 0 0,0-1-1 0 0,0 1 1 0 0,0 0 0 0 0,0 0-1 0 0,0-1 1 0 0,0 1-1 0 0,0 0 1 0 0,0 0 0 0 0,0 0-1 0 0,1 0 1 0 0,1 1 0 0 0,14 3-5035 0 0</inkml:trace>
+</inkml:ink>
+</file>
+
+<file path=ppt/ink/ink8.xml><?xml version="1.0" encoding="utf-8"?>
+<inkml:ink xmlns:inkml="http://www.w3.org/2003/InkML">
+  <inkml:definitions>
+    <inkml:context xml:id="ctx0">
+      <inkml:inkSource xml:id="inkSrc0">
+        <inkml:traceFormat>
+          <inkml:channel name="X" type="integer" min="-2.14748E9" max="2.14748E9" units="cm"/>
+          <inkml:channel name="Y" type="integer" min="-2.14748E9" max="2.14748E9" units="cm"/>
+          <inkml:channel name="F" type="integer" max="32767" units="dev"/>
+          <inkml:channel name="OA" type="integer" max="360" units="deg"/>
+          <inkml:channel name="OE" type="integer" max="90" units="deg"/>
+        </inkml:traceFormat>
+        <inkml:channelProperties>
+          <inkml:channelProperty channel="X" name="resolution" value="1000" units="1/cm"/>
+          <inkml:channelProperty channel="Y" name="resolution" value="1000" units="1/cm"/>
+          <inkml:channelProperty channel="F" name="resolution" value="0" units="1/dev"/>
+          <inkml:channelProperty channel="OA" name="resolution" value="1000" units="1/deg"/>
+          <inkml:channelProperty channel="OE" name="resolution" value="1000" units="1/deg"/>
+        </inkml:channelProperties>
+      </inkml:inkSource>
+      <inkml:timestamp xml:id="ts0" timeString="2021-03-12T20:00:48.078"/>
+    </inkml:context>
+    <inkml:brush xml:id="br0">
+      <inkml:brushProperty name="width" value="0.05" units="cm"/>
+      <inkml:brushProperty name="height" value="0.05" units="cm"/>
+      <inkml:brushProperty name="color" value="#004F8B"/>
+    </inkml:brush>
+  </inkml:definitions>
+  <inkml:trace contextRef="#ctx0" brushRef="#br0">57 146 10592 0 0,'-7'4'514'0'0,"1"0"0"0"0,0 0 1 0 0,-1-1-1 0 0,-6 3 0 0 0,-5 2 5992 0 0,35 2-4873 0 0,-7-6-993 0 0,1-1 0 0 0,12 3 0 0 0,0-1-360 0 0,12 4 235 0 0,0-2 1 0 0,54 4-1 0 0,71-5 1887 0 0,-159-6-2400 0 0,65 0 206 0 0,109-13 0 0 0,-158 10-214 0 0,1 0-44 0 0,0 0 1 0 0,0-1-1 0 0,23-8 0 0 0,-39 11 80 0 0,-1 1 0 0 0,1-1 0 0 0,-1 1 0 0 0,1-1 0 0 0,-1 0 0 0 0,0 1 0 0 0,0-1 1 0 0,1 0-1 0 0,-1 0 0 0 0,0 0 0 0 0,0 0 0 0 0,0 0 0 0 0,0 0 0 0 0,0 0 0 0 0,0 0 0 0 0,0-1 0 0 0,0 1 0 0 0,-1 0 0 0 0,1-1 0 0 0,0 1 0 0 0,-1 0 0 0 0,1-1 0 0 0,-1 1 0 0 0,1-1 0 0 0,-1 1 0 0 0,0-1 0 0 0,1-1 0 0 0,-2 1 26 0 0,1 0-1 0 0,-1 0 0 0 0,0-1 0 0 0,1 1 0 0 0,-1 0 1 0 0,0 0-1 0 0,0 0 0 0 0,0 0 0 0 0,0 0 0 0 0,-1 1 0 0 0,1-1 1 0 0,0 0-1 0 0,-1 1 0 0 0,0-1 0 0 0,1 0 0 0 0,-1 1 1 0 0,-3-3-1 0 0,-39-25-157 0 0,-76-37-1 0 0,93 52 81 0 0,-11-6 22 0 0,44 25 10 0 0,-2-2 3 0 0,1 0 0 0 0,-1 0 0 0 0,0 0 0 0 0,9 4 0 0 0,6-1 37 0 0,-1-1 1 0 0,1-1 0 0 0,28 3-1 0 0,59 0 337 0 0,-63-6-43 0 0,61 10 0 0 0,-101-11-288 0 0,0 1-1 0 0,0 0 1 0 0,0-1-1 0 0,0 1 1 0 0,0 1 0 0 0,0-1-1 0 0,0 0 1 0 0,0 1-1 0 0,3 2 1 0 0,-5-3-41 0 0,0-1-1 0 0,-1 1 1 0 0,1 0-1 0 0,-1 0 1 0 0,1-1-1 0 0,0 1 1 0 0,-1 0-1 0 0,0 0 1 0 0,1 0-1 0 0,-1 0 1 0 0,0 0-1 0 0,1 0 1 0 0,-1-1-1 0 0,0 1 1 0 0,0 0-1 0 0,0 0 1 0 0,0 0-1 0 0,1 0 1 0 0,-1 0-1 0 0,-1 0 1 0 0,1 0-1 0 0,0 0 1 0 0,0 0-1 0 0,0 0 1 0 0,0 0-1 0 0,-1 0 1 0 0,1 0-1 0 0,-1 0 1 0 0,1-1-1 0 0,0 1 1 0 0,-1 0-1 0 0,1 0 1 0 0,-1 0-1 0 0,-1 1 1 0 0,-1 2-12 0 0,0 1 1 0 0,-1-1-1 0 0,0 0 0 0 0,0 0 1 0 0,0-1-1 0 0,-1 1 0 0 0,1-1 1 0 0,-10 6-1 0 0,-5 0 25 0 0,-21 9 1 0 0,-2 0 1 0 0,41-17-37 0 0,-82 45-1202 0 0,73-39 487 0 0,-1 0 0 0 0,1 1 0 0 0,0 0 0 0 0,1 1-1 0 0,-11 13 1 0 0,8-5-526 0 0</inkml:trace>
+</inkml:ink>
+</file>
+
+<file path=ppt/ink/ink9.xml><?xml version="1.0" encoding="utf-8"?>
+<inkml:ink xmlns:inkml="http://www.w3.org/2003/InkML">
+  <inkml:definitions>
+    <inkml:context xml:id="ctx0">
+      <inkml:inkSource xml:id="inkSrc0">
+        <inkml:traceFormat>
+          <inkml:channel name="X" type="integer" min="-2.14748E9" max="2.14748E9" units="cm"/>
+          <inkml:channel name="Y" type="integer" min="-2.14748E9" max="2.14748E9" units="cm"/>
+          <inkml:channel name="F" type="integer" max="32767" units="dev"/>
+          <inkml:channel name="OA" type="integer" max="360" units="deg"/>
+          <inkml:channel name="OE" type="integer" max="90" units="deg"/>
+        </inkml:traceFormat>
+        <inkml:channelProperties>
+          <inkml:channelProperty channel="X" name="resolution" value="1000" units="1/cm"/>
+          <inkml:channelProperty channel="Y" name="resolution" value="1000" units="1/cm"/>
+          <inkml:channelProperty channel="F" name="resolution" value="0" units="1/dev"/>
+          <inkml:channelProperty channel="OA" name="resolution" value="1000" units="1/deg"/>
+          <inkml:channelProperty channel="OE" name="resolution" value="1000" units="1/deg"/>
+        </inkml:channelProperties>
+      </inkml:inkSource>
+      <inkml:timestamp xml:id="ts0" timeString="2021-03-12T20:00:49.268"/>
+    </inkml:context>
+    <inkml:brush xml:id="br0">
+      <inkml:brushProperty name="width" value="0.05" units="cm"/>
+      <inkml:brushProperty name="height" value="0.05" units="cm"/>
+      <inkml:brushProperty name="color" value="#004F8B"/>
+    </inkml:brush>
+  </inkml:definitions>
+  <inkml:trace contextRef="#ctx0" brushRef="#br0">432 1 15432 0 0,'-4'2'169'0'0,"1"1"0"0"0,-1 0 0 0 0,1 0 1 0 0,0 0-1 0 0,0 1 0 0 0,0-1 0 0 0,0 1 1 0 0,0 0-1 0 0,1-1 0 0 0,-3 7 0 0 0,-2 5-140 0 0,-7 25 1 0 0,6-17 337 0 0,-68 235 929 0 0,16 7-158 0 0,5-18 20 0 0,36-164-778 0 0,-38 136 696 0 0,1-25 36 0 0,30-79-471 0 0,13-45-274 0 0,11-65-313 0 0,1 0 0 0 0,1 0-1 0 0,-1 0 1 0 0,1 0 0 0 0,0 1 0 0 0,0-1-1 0 0,1 9 1 0 0,-1-13-30 0 0,1 0 0 0 0,-1 0 0 0 0,0 0-1 0 0,1 1 1 0 0,-1-1 0 0 0,1 0 0 0 0,0 0 0 0 0,-1 0-1 0 0,1 0 1 0 0,0 0 0 0 0,-1 0 0 0 0,1 0 0 0 0,0 0-1 0 0,0 0 1 0 0,0 0 0 0 0,0 0 0 0 0,0-1 0 0 0,0 1-1 0 0,0 0 1 0 0,0-1 0 0 0,1 1 0 0 0,-1-1-1 0 0,0 1 1 0 0,0-1 0 0 0,0 1 0 0 0,1-1 0 0 0,-1 0-1 0 0,0 0 1 0 0,0 0 0 0 0,1 0 0 0 0,-1 1 0 0 0,0-2-1 0 0,1 1 1 0 0,-1 0 0 0 0,2 0 0 0 0,109-12 283 0 0,175-8 803 0 0,-144 20-1686 0 0,-100-5 744 0 0,-42 5-84 0 0,-1-2-46 0 0,0 1 0 0 0,0-1 0 0 0,-1 1 0 0 0,1-1 0 0 0,0 1 0 0 0,0-1-1 0 0,-1 1 1 0 0,1-1 0 0 0,-1 1 0 0 0,1 0 0 0 0,-1-1 0 0 0,0 1 0 0 0,0 0 0 0 0,-1-3 0 0 0,-17-17 204 0 0,9 10-117 0 0,0 1-94 0 0,0 1 1 0 0,-1 0-1 0 0,0 1 0 0 0,0 0 0 0 0,-21-10 1 0 0,-12-10 43 0 0,44 28-72 0 0,0 0 1 0 0,0 0-1 0 0,0 0 1 0 0,-1 0 0 0 0,1 0-1 0 0,0 0 1 0 0,0 0-1 0 0,0 0 1 0 0,0 0-1 0 0,0 0 1 0 0,-1 0 0 0 0,1 0-1 0 0,0 0 1 0 0,0 0-1 0 0,0-1 1 0 0,0 1-1 0 0,0 0 1 0 0,0 0 0 0 0,0 0-1 0 0,0 0 1 0 0,-1 0-1 0 0,1 0 1 0 0,0 0-1 0 0,0-1 1 0 0,0 1-1 0 0,0 0 1 0 0,0 0 0 0 0,0 0-1 0 0,0 0 1 0 0,0 0-1 0 0,0-1 1 0 0,0 1-1 0 0,0 0 1 0 0,0 0 0 0 0,0 0-1 0 0,0 0 1 0 0,0 0-1 0 0,0-1 1 0 0,0 1-1 0 0,0 0 1 0 0,0 0 0 0 0,0 0-1 0 0,0 0 1 0 0,0 0-1 0 0,0-1 1 0 0,0 1-1 0 0,0 0 1 0 0,1 0-1 0 0,-1 0 1 0 0,0 0 0 0 0,0 0-1 0 0,0 0 1 0 0,0 0-1 0 0,0-1 1 0 0,0 1-1 0 0,1 0 1 0 0,12-3 43 0 0,25 2-80 0 0,-32 1 60 0 0,67-2 124 0 0,21-1 99 0 0,-80 3-219 0 0,0 1 0 0 0,0 1 0 0 0,0 0 0 0 0,18 6 0 0 0,-28-7-17 0 0,-1 0 1 0 0,0 0-1 0 0,0 0 0 0 0,0 1 1 0 0,0 0-1 0 0,0-1 0 0 0,0 1 1 0 0,0 0-1 0 0,0 1 1 0 0,-1-1-1 0 0,1 0 0 0 0,-1 1 1 0 0,0-1-1 0 0,3 5 0 0 0,-3-5 2 0 0,-1 0 0 0 0,0 0 0 0 0,-1 1 0 0 0,1-1 0 0 0,0 0-1 0 0,-1 0 1 0 0,1 1 0 0 0,-1-1 0 0 0,0 0 0 0 0,1 1 0 0 0,-1-1-1 0 0,0 0 1 0 0,-1 1 0 0 0,1-1 0 0 0,0 0 0 0 0,-1 0 0 0 0,1 1-1 0 0,-1-1 1 0 0,0 0 0 0 0,1 0 0 0 0,-3 4 0 0 0,-2 2 21 0 0,0 0-1 0 0,0-1 1 0 0,0 1 0 0 0,-1-1 0 0 0,0-1-1 0 0,-9 9 1 0 0,-47 34 47 0 0,33-27-84 0 0,2-5-143 0 0,20-12-633 0 0,0-1 1 0 0,1 1-1 0 0,-8 6 1 0 0</inkml:trace>
+</inkml:ink>
 </file>
 
 <file path=ppt/notesMasters/notesMaster1.xml><?xml version="1.0" encoding="utf-8"?>
@@ -833,7 +1507,7 @@
           <a:p>
             <a:fld id="{3A2BF66F-FEB0-48C1-A8B9-A73F54BB1A08}" type="datetimeFigureOut">
               <a:rPr lang="en-US" smtClean="0"/>
-              <a:t>3/11/2021</a:t>
+              <a:t>3/12/2021</a:t>
             </a:fld>
             <a:endParaRPr lang="en-US"/>
           </a:p>
@@ -1033,7 +1707,7 @@
           <a:p>
             <a:fld id="{3A2BF66F-FEB0-48C1-A8B9-A73F54BB1A08}" type="datetimeFigureOut">
               <a:rPr lang="en-US" smtClean="0"/>
-              <a:t>3/11/2021</a:t>
+              <a:t>3/12/2021</a:t>
             </a:fld>
             <a:endParaRPr lang="en-US"/>
           </a:p>
@@ -1243,7 +1917,7 @@
           <a:p>
             <a:fld id="{3A2BF66F-FEB0-48C1-A8B9-A73F54BB1A08}" type="datetimeFigureOut">
               <a:rPr lang="en-US" smtClean="0"/>
-              <a:t>3/11/2021</a:t>
+              <a:t>3/12/2021</a:t>
             </a:fld>
             <a:endParaRPr lang="en-US"/>
           </a:p>
@@ -1443,7 +2117,7 @@
           <a:p>
             <a:fld id="{3A2BF66F-FEB0-48C1-A8B9-A73F54BB1A08}" type="datetimeFigureOut">
               <a:rPr lang="en-US" smtClean="0"/>
-              <a:t>3/11/2021</a:t>
+              <a:t>3/12/2021</a:t>
             </a:fld>
             <a:endParaRPr lang="en-US"/>
           </a:p>
@@ -1720,7 +2394,7 @@
           <a:p>
             <a:fld id="{3A2BF66F-FEB0-48C1-A8B9-A73F54BB1A08}" type="datetimeFigureOut">
               <a:rPr lang="en-US" smtClean="0"/>
-              <a:t>3/11/2021</a:t>
+              <a:t>3/12/2021</a:t>
             </a:fld>
             <a:endParaRPr lang="en-US"/>
           </a:p>
@@ -1987,7 +2661,7 @@
           <a:p>
             <a:fld id="{3A2BF66F-FEB0-48C1-A8B9-A73F54BB1A08}" type="datetimeFigureOut">
               <a:rPr lang="en-US" smtClean="0"/>
-              <a:t>3/11/2021</a:t>
+              <a:t>3/12/2021</a:t>
             </a:fld>
             <a:endParaRPr lang="en-US"/>
           </a:p>
@@ -2401,7 +3075,7 @@
           <a:p>
             <a:fld id="{3A2BF66F-FEB0-48C1-A8B9-A73F54BB1A08}" type="datetimeFigureOut">
               <a:rPr lang="en-US" smtClean="0"/>
-              <a:t>3/11/2021</a:t>
+              <a:t>3/12/2021</a:t>
             </a:fld>
             <a:endParaRPr lang="en-US"/>
           </a:p>
@@ -2544,7 +3218,7 @@
           <a:p>
             <a:fld id="{3A2BF66F-FEB0-48C1-A8B9-A73F54BB1A08}" type="datetimeFigureOut">
               <a:rPr lang="en-US" smtClean="0"/>
-              <a:t>3/11/2021</a:t>
+              <a:t>3/12/2021</a:t>
             </a:fld>
             <a:endParaRPr lang="en-US"/>
           </a:p>
@@ -2659,7 +3333,7 @@
           <a:p>
             <a:fld id="{3A2BF66F-FEB0-48C1-A8B9-A73F54BB1A08}" type="datetimeFigureOut">
               <a:rPr lang="en-US" smtClean="0"/>
-              <a:t>3/11/2021</a:t>
+              <a:t>3/12/2021</a:t>
             </a:fld>
             <a:endParaRPr lang="en-US"/>
           </a:p>
@@ -2971,7 +3645,7 @@
           <a:p>
             <a:fld id="{3A2BF66F-FEB0-48C1-A8B9-A73F54BB1A08}" type="datetimeFigureOut">
               <a:rPr lang="en-US" smtClean="0"/>
-              <a:t>3/11/2021</a:t>
+              <a:t>3/12/2021</a:t>
             </a:fld>
             <a:endParaRPr lang="en-US"/>
           </a:p>
@@ -3261,7 +3935,7 @@
           <a:p>
             <a:fld id="{3A2BF66F-FEB0-48C1-A8B9-A73F54BB1A08}" type="datetimeFigureOut">
               <a:rPr lang="en-US" smtClean="0"/>
-              <a:t>3/11/2021</a:t>
+              <a:t>3/12/2021</a:t>
             </a:fld>
             <a:endParaRPr lang="en-US"/>
           </a:p>
@@ -3504,7 +4178,7 @@
           <a:p>
             <a:fld id="{3A2BF66F-FEB0-48C1-A8B9-A73F54BB1A08}" type="datetimeFigureOut">
               <a:rPr lang="en-US" smtClean="0"/>
-              <a:t>3/11/2021</a:t>
+              <a:t>3/12/2021</a:t>
             </a:fld>
             <a:endParaRPr lang="en-US"/>
           </a:p>
@@ -4200,6 +4874,1119 @@
           </a:p>
         </p:txBody>
       </p:sp>
+      <mc:AlternateContent xmlns:mc="http://schemas.openxmlformats.org/markup-compatibility/2006">
+        <mc:Choice xmlns:p14="http://schemas.microsoft.com/office/powerpoint/2010/main" Requires="p14">
+          <p:contentPart p14:bwMode="auto" r:id="rId2">
+            <p14:nvContentPartPr>
+              <p14:cNvPr id="4" name="Ink 3">
+                <a:extLst>
+                  <a:ext uri="{FF2B5EF4-FFF2-40B4-BE49-F238E27FC236}">
+                    <a16:creationId xmlns:a16="http://schemas.microsoft.com/office/drawing/2014/main" id="{08F409C1-B259-490A-A99C-C8A9B57D14E6}"/>
+                  </a:ext>
+                </a:extLst>
+              </p14:cNvPr>
+              <p14:cNvContentPartPr/>
+              <p14:nvPr/>
+            </p14:nvContentPartPr>
+            <p14:xfrm>
+              <a:off x="808849" y="1753099"/>
+              <a:ext cx="1024200" cy="20880"/>
+            </p14:xfrm>
+          </p:contentPart>
+        </mc:Choice>
+        <mc:Fallback>
+          <p:pic>
+            <p:nvPicPr>
+              <p:cNvPr id="4" name="Ink 3">
+                <a:extLst>
+                  <a:ext uri="{FF2B5EF4-FFF2-40B4-BE49-F238E27FC236}">
+                    <a16:creationId xmlns:a16="http://schemas.microsoft.com/office/drawing/2014/main" id="{08F409C1-B259-490A-A99C-C8A9B57D14E6}"/>
+                  </a:ext>
+                </a:extLst>
+              </p:cNvPr>
+              <p:cNvPicPr/>
+              <p:nvPr/>
+            </p:nvPicPr>
+            <p:blipFill>
+              <a:blip r:embed="rId3"/>
+              <a:stretch>
+                <a:fillRect/>
+              </a:stretch>
+            </p:blipFill>
+            <p:spPr>
+              <a:xfrm>
+                <a:off x="800209" y="1744459"/>
+                <a:ext cx="1041840" cy="38520"/>
+              </a:xfrm>
+              <a:prstGeom prst="rect">
+                <a:avLst/>
+              </a:prstGeom>
+            </p:spPr>
+          </p:pic>
+        </mc:Fallback>
+      </mc:AlternateContent>
+      <mc:AlternateContent xmlns:mc="http://schemas.openxmlformats.org/markup-compatibility/2006">
+        <mc:Choice xmlns:p14="http://schemas.microsoft.com/office/powerpoint/2010/main" Requires="p14">
+          <p:contentPart p14:bwMode="auto" r:id="rId4">
+            <p14:nvContentPartPr>
+              <p14:cNvPr id="5" name="Ink 4">
+                <a:extLst>
+                  <a:ext uri="{FF2B5EF4-FFF2-40B4-BE49-F238E27FC236}">
+                    <a16:creationId xmlns:a16="http://schemas.microsoft.com/office/drawing/2014/main" id="{770687A2-14D8-4760-BE39-90BEACB134E5}"/>
+                  </a:ext>
+                </a:extLst>
+              </p14:cNvPr>
+              <p14:cNvContentPartPr/>
+              <p14:nvPr/>
+            </p14:nvContentPartPr>
+            <p14:xfrm>
+              <a:off x="2805049" y="1023379"/>
+              <a:ext cx="132480" cy="354240"/>
+            </p14:xfrm>
+          </p:contentPart>
+        </mc:Choice>
+        <mc:Fallback>
+          <p:pic>
+            <p:nvPicPr>
+              <p:cNvPr id="5" name="Ink 4">
+                <a:extLst>
+                  <a:ext uri="{FF2B5EF4-FFF2-40B4-BE49-F238E27FC236}">
+                    <a16:creationId xmlns:a16="http://schemas.microsoft.com/office/drawing/2014/main" id="{770687A2-14D8-4760-BE39-90BEACB134E5}"/>
+                  </a:ext>
+                </a:extLst>
+              </p:cNvPr>
+              <p:cNvPicPr/>
+              <p:nvPr/>
+            </p:nvPicPr>
+            <p:blipFill>
+              <a:blip r:embed="rId5"/>
+              <a:stretch>
+                <a:fillRect/>
+              </a:stretch>
+            </p:blipFill>
+            <p:spPr>
+              <a:xfrm>
+                <a:off x="2796409" y="1014379"/>
+                <a:ext cx="150120" cy="371880"/>
+              </a:xfrm>
+              <a:prstGeom prst="rect">
+                <a:avLst/>
+              </a:prstGeom>
+            </p:spPr>
+          </p:pic>
+        </mc:Fallback>
+      </mc:AlternateContent>
+      <mc:AlternateContent xmlns:mc="http://schemas.openxmlformats.org/markup-compatibility/2006">
+        <mc:Choice xmlns:p14="http://schemas.microsoft.com/office/powerpoint/2010/main" Requires="p14">
+          <p:contentPart p14:bwMode="auto" r:id="rId6">
+            <p14:nvContentPartPr>
+              <p14:cNvPr id="6" name="Ink 5">
+                <a:extLst>
+                  <a:ext uri="{FF2B5EF4-FFF2-40B4-BE49-F238E27FC236}">
+                    <a16:creationId xmlns:a16="http://schemas.microsoft.com/office/drawing/2014/main" id="{5219FE22-6004-433F-A80F-778FDEA7BA63}"/>
+                  </a:ext>
+                </a:extLst>
+              </p14:cNvPr>
+              <p14:cNvContentPartPr/>
+              <p14:nvPr/>
+            </p14:nvContentPartPr>
+            <p14:xfrm>
+              <a:off x="850609" y="2159899"/>
+              <a:ext cx="1941120" cy="41760"/>
+            </p14:xfrm>
+          </p:contentPart>
+        </mc:Choice>
+        <mc:Fallback>
+          <p:pic>
+            <p:nvPicPr>
+              <p:cNvPr id="6" name="Ink 5">
+                <a:extLst>
+                  <a:ext uri="{FF2B5EF4-FFF2-40B4-BE49-F238E27FC236}">
+                    <a16:creationId xmlns:a16="http://schemas.microsoft.com/office/drawing/2014/main" id="{5219FE22-6004-433F-A80F-778FDEA7BA63}"/>
+                  </a:ext>
+                </a:extLst>
+              </p:cNvPr>
+              <p:cNvPicPr/>
+              <p:nvPr/>
+            </p:nvPicPr>
+            <p:blipFill>
+              <a:blip r:embed="rId7"/>
+              <a:stretch>
+                <a:fillRect/>
+              </a:stretch>
+            </p:blipFill>
+            <p:spPr>
+              <a:xfrm>
+                <a:off x="841969" y="2150899"/>
+                <a:ext cx="1958760" cy="59400"/>
+              </a:xfrm>
+              <a:prstGeom prst="rect">
+                <a:avLst/>
+              </a:prstGeom>
+            </p:spPr>
+          </p:pic>
+        </mc:Fallback>
+      </mc:AlternateContent>
+      <p:grpSp>
+        <p:nvGrpSpPr>
+          <p:cNvPr id="9" name="Group 8">
+            <a:extLst>
+              <a:ext uri="{FF2B5EF4-FFF2-40B4-BE49-F238E27FC236}">
+                <a16:creationId xmlns:a16="http://schemas.microsoft.com/office/drawing/2014/main" id="{E66801AD-5F15-4F85-AF06-14942F317F82}"/>
+              </a:ext>
+            </a:extLst>
+          </p:cNvPr>
+          <p:cNvGrpSpPr/>
+          <p:nvPr/>
+        </p:nvGrpSpPr>
+        <p:grpSpPr>
+          <a:xfrm>
+            <a:off x="3692809" y="2181139"/>
+            <a:ext cx="169560" cy="219240"/>
+            <a:chOff x="3692809" y="2181139"/>
+            <a:chExt cx="169560" cy="219240"/>
+          </a:xfrm>
+        </p:grpSpPr>
+        <mc:AlternateContent xmlns:mc="http://schemas.openxmlformats.org/markup-compatibility/2006">
+          <mc:Choice xmlns:p14="http://schemas.microsoft.com/office/powerpoint/2010/main" Requires="p14">
+            <p:contentPart p14:bwMode="auto" r:id="rId8">
+              <p14:nvContentPartPr>
+                <p14:cNvPr id="7" name="Ink 6">
+                  <a:extLst>
+                    <a:ext uri="{FF2B5EF4-FFF2-40B4-BE49-F238E27FC236}">
+                      <a16:creationId xmlns:a16="http://schemas.microsoft.com/office/drawing/2014/main" id="{579EA156-8EBB-4BCF-808B-C0561FCDA9EF}"/>
+                    </a:ext>
+                  </a:extLst>
+                </p14:cNvPr>
+                <p14:cNvContentPartPr/>
+                <p14:nvPr/>
+              </p14:nvContentPartPr>
+              <p14:xfrm>
+                <a:off x="3701809" y="2194819"/>
+                <a:ext cx="62280" cy="205560"/>
+              </p14:xfrm>
+            </p:contentPart>
+          </mc:Choice>
+          <mc:Fallback>
+            <p:pic>
+              <p:nvPicPr>
+                <p:cNvPr id="7" name="Ink 6">
+                  <a:extLst>
+                    <a:ext uri="{FF2B5EF4-FFF2-40B4-BE49-F238E27FC236}">
+                      <a16:creationId xmlns:a16="http://schemas.microsoft.com/office/drawing/2014/main" id="{579EA156-8EBB-4BCF-808B-C0561FCDA9EF}"/>
+                    </a:ext>
+                  </a:extLst>
+                </p:cNvPr>
+                <p:cNvPicPr/>
+                <p:nvPr/>
+              </p:nvPicPr>
+              <p:blipFill>
+                <a:blip r:embed="rId9"/>
+                <a:stretch>
+                  <a:fillRect/>
+                </a:stretch>
+              </p:blipFill>
+              <p:spPr>
+                <a:xfrm>
+                  <a:off x="3692809" y="2185819"/>
+                  <a:ext cx="79920" cy="223200"/>
+                </a:xfrm>
+                <a:prstGeom prst="rect">
+                  <a:avLst/>
+                </a:prstGeom>
+              </p:spPr>
+            </p:pic>
+          </mc:Fallback>
+        </mc:AlternateContent>
+        <mc:AlternateContent xmlns:mc="http://schemas.openxmlformats.org/markup-compatibility/2006">
+          <mc:Choice xmlns:p14="http://schemas.microsoft.com/office/powerpoint/2010/main" Requires="p14">
+            <p:contentPart p14:bwMode="auto" r:id="rId10">
+              <p14:nvContentPartPr>
+                <p14:cNvPr id="8" name="Ink 7">
+                  <a:extLst>
+                    <a:ext uri="{FF2B5EF4-FFF2-40B4-BE49-F238E27FC236}">
+                      <a16:creationId xmlns:a16="http://schemas.microsoft.com/office/drawing/2014/main" id="{17949B5A-5D63-47C6-B1DC-0B26807C4217}"/>
+                    </a:ext>
+                  </a:extLst>
+                </p14:cNvPr>
+                <p14:cNvContentPartPr/>
+                <p14:nvPr/>
+              </p14:nvContentPartPr>
+              <p14:xfrm>
+                <a:off x="3692809" y="2181139"/>
+                <a:ext cx="169560" cy="83520"/>
+              </p14:xfrm>
+            </p:contentPart>
+          </mc:Choice>
+          <mc:Fallback>
+            <p:pic>
+              <p:nvPicPr>
+                <p:cNvPr id="8" name="Ink 7">
+                  <a:extLst>
+                    <a:ext uri="{FF2B5EF4-FFF2-40B4-BE49-F238E27FC236}">
+                      <a16:creationId xmlns:a16="http://schemas.microsoft.com/office/drawing/2014/main" id="{17949B5A-5D63-47C6-B1DC-0B26807C4217}"/>
+                    </a:ext>
+                  </a:extLst>
+                </p:cNvPr>
+                <p:cNvPicPr/>
+                <p:nvPr/>
+              </p:nvPicPr>
+              <p:blipFill>
+                <a:blip r:embed="rId11"/>
+                <a:stretch>
+                  <a:fillRect/>
+                </a:stretch>
+              </p:blipFill>
+              <p:spPr>
+                <a:xfrm>
+                  <a:off x="3683809" y="2172499"/>
+                  <a:ext cx="187200" cy="101160"/>
+                </a:xfrm>
+                <a:prstGeom prst="rect">
+                  <a:avLst/>
+                </a:prstGeom>
+              </p:spPr>
+            </p:pic>
+          </mc:Fallback>
+        </mc:AlternateContent>
+      </p:grpSp>
+      <mc:AlternateContent xmlns:mc="http://schemas.openxmlformats.org/markup-compatibility/2006">
+        <mc:Choice xmlns:p14="http://schemas.microsoft.com/office/powerpoint/2010/main" Requires="p14">
+          <p:contentPart p14:bwMode="auto" r:id="rId12">
+            <p14:nvContentPartPr>
+              <p14:cNvPr id="10" name="Ink 9">
+                <a:extLst>
+                  <a:ext uri="{FF2B5EF4-FFF2-40B4-BE49-F238E27FC236}">
+                    <a16:creationId xmlns:a16="http://schemas.microsoft.com/office/drawing/2014/main" id="{76551623-4FD6-4B2D-A78C-5403CA3ED28A}"/>
+                  </a:ext>
+                </a:extLst>
+              </p14:cNvPr>
+              <p14:cNvContentPartPr/>
+              <p14:nvPr/>
+            </p14:nvContentPartPr>
+            <p14:xfrm>
+              <a:off x="686449" y="2748859"/>
+              <a:ext cx="411480" cy="144720"/>
+            </p14:xfrm>
+          </p:contentPart>
+        </mc:Choice>
+        <mc:Fallback>
+          <p:pic>
+            <p:nvPicPr>
+              <p:cNvPr id="10" name="Ink 9">
+                <a:extLst>
+                  <a:ext uri="{FF2B5EF4-FFF2-40B4-BE49-F238E27FC236}">
+                    <a16:creationId xmlns:a16="http://schemas.microsoft.com/office/drawing/2014/main" id="{76551623-4FD6-4B2D-A78C-5403CA3ED28A}"/>
+                  </a:ext>
+                </a:extLst>
+              </p:cNvPr>
+              <p:cNvPicPr/>
+              <p:nvPr/>
+            </p:nvPicPr>
+            <p:blipFill>
+              <a:blip r:embed="rId13"/>
+              <a:stretch>
+                <a:fillRect/>
+              </a:stretch>
+            </p:blipFill>
+            <p:spPr>
+              <a:xfrm>
+                <a:off x="677449" y="2740219"/>
+                <a:ext cx="429120" cy="162360"/>
+              </a:xfrm>
+              <a:prstGeom prst="rect">
+                <a:avLst/>
+              </a:prstGeom>
+            </p:spPr>
+          </p:pic>
+        </mc:Fallback>
+      </mc:AlternateContent>
+      <mc:AlternateContent xmlns:mc="http://schemas.openxmlformats.org/markup-compatibility/2006">
+        <mc:Choice xmlns:p14="http://schemas.microsoft.com/office/powerpoint/2010/main" Requires="p14">
+          <p:contentPart p14:bwMode="auto" r:id="rId14">
+            <p14:nvContentPartPr>
+              <p14:cNvPr id="11" name="Ink 10">
+                <a:extLst>
+                  <a:ext uri="{FF2B5EF4-FFF2-40B4-BE49-F238E27FC236}">
+                    <a16:creationId xmlns:a16="http://schemas.microsoft.com/office/drawing/2014/main" id="{744C653F-23A5-425C-9690-745D3E56145D}"/>
+                  </a:ext>
+                </a:extLst>
+              </p14:cNvPr>
+              <p14:cNvContentPartPr/>
+              <p14:nvPr/>
+            </p14:nvContentPartPr>
+            <p14:xfrm>
+              <a:off x="2579329" y="3211819"/>
+              <a:ext cx="2224080" cy="75960"/>
+            </p14:xfrm>
+          </p:contentPart>
+        </mc:Choice>
+        <mc:Fallback>
+          <p:pic>
+            <p:nvPicPr>
+              <p:cNvPr id="11" name="Ink 10">
+                <a:extLst>
+                  <a:ext uri="{FF2B5EF4-FFF2-40B4-BE49-F238E27FC236}">
+                    <a16:creationId xmlns:a16="http://schemas.microsoft.com/office/drawing/2014/main" id="{744C653F-23A5-425C-9690-745D3E56145D}"/>
+                  </a:ext>
+                </a:extLst>
+              </p:cNvPr>
+              <p:cNvPicPr/>
+              <p:nvPr/>
+            </p:nvPicPr>
+            <p:blipFill>
+              <a:blip r:embed="rId15"/>
+              <a:stretch>
+                <a:fillRect/>
+              </a:stretch>
+            </p:blipFill>
+            <p:spPr>
+              <a:xfrm>
+                <a:off x="2570329" y="3203179"/>
+                <a:ext cx="2241720" cy="93600"/>
+              </a:xfrm>
+              <a:prstGeom prst="rect">
+                <a:avLst/>
+              </a:prstGeom>
+            </p:spPr>
+          </p:pic>
+        </mc:Fallback>
+      </mc:AlternateContent>
+      <mc:AlternateContent xmlns:mc="http://schemas.openxmlformats.org/markup-compatibility/2006">
+        <mc:Choice xmlns:p14="http://schemas.microsoft.com/office/powerpoint/2010/main" Requires="p14">
+          <p:contentPart p14:bwMode="auto" r:id="rId16">
+            <p14:nvContentPartPr>
+              <p14:cNvPr id="12" name="Ink 11">
+                <a:extLst>
+                  <a:ext uri="{FF2B5EF4-FFF2-40B4-BE49-F238E27FC236}">
+                    <a16:creationId xmlns:a16="http://schemas.microsoft.com/office/drawing/2014/main" id="{0C59DDDD-8BCF-4E96-B127-2CCCE2F61CDD}"/>
+                  </a:ext>
+                </a:extLst>
+              </p14:cNvPr>
+              <p14:cNvContentPartPr/>
+              <p14:nvPr/>
+            </p14:nvContentPartPr>
+            <p14:xfrm>
+              <a:off x="768529" y="3380659"/>
+              <a:ext cx="347040" cy="115560"/>
+            </p14:xfrm>
+          </p:contentPart>
+        </mc:Choice>
+        <mc:Fallback>
+          <p:pic>
+            <p:nvPicPr>
+              <p:cNvPr id="12" name="Ink 11">
+                <a:extLst>
+                  <a:ext uri="{FF2B5EF4-FFF2-40B4-BE49-F238E27FC236}">
+                    <a16:creationId xmlns:a16="http://schemas.microsoft.com/office/drawing/2014/main" id="{0C59DDDD-8BCF-4E96-B127-2CCCE2F61CDD}"/>
+                  </a:ext>
+                </a:extLst>
+              </p:cNvPr>
+              <p:cNvPicPr/>
+              <p:nvPr/>
+            </p:nvPicPr>
+            <p:blipFill>
+              <a:blip r:embed="rId17"/>
+              <a:stretch>
+                <a:fillRect/>
+              </a:stretch>
+            </p:blipFill>
+            <p:spPr>
+              <a:xfrm>
+                <a:off x="759529" y="3372019"/>
+                <a:ext cx="364680" cy="133200"/>
+              </a:xfrm>
+              <a:prstGeom prst="rect">
+                <a:avLst/>
+              </a:prstGeom>
+            </p:spPr>
+          </p:pic>
+        </mc:Fallback>
+      </mc:AlternateContent>
+      <p:grpSp>
+        <p:nvGrpSpPr>
+          <p:cNvPr id="27" name="Group 26">
+            <a:extLst>
+              <a:ext uri="{FF2B5EF4-FFF2-40B4-BE49-F238E27FC236}">
+                <a16:creationId xmlns:a16="http://schemas.microsoft.com/office/drawing/2014/main" id="{2261CF48-1C6C-49AA-A9A7-4E858A2E0AC1}"/>
+              </a:ext>
+            </a:extLst>
+          </p:cNvPr>
+          <p:cNvGrpSpPr/>
+          <p:nvPr/>
+        </p:nvGrpSpPr>
+        <p:grpSpPr>
+          <a:xfrm>
+            <a:off x="1061209" y="3604219"/>
+            <a:ext cx="2879280" cy="635400"/>
+            <a:chOff x="1061209" y="3604219"/>
+            <a:chExt cx="2879280" cy="635400"/>
+          </a:xfrm>
+        </p:grpSpPr>
+        <mc:AlternateContent xmlns:mc="http://schemas.openxmlformats.org/markup-compatibility/2006">
+          <mc:Choice xmlns:p14="http://schemas.microsoft.com/office/powerpoint/2010/main" Requires="p14">
+            <p:contentPart p14:bwMode="auto" r:id="rId18">
+              <p14:nvContentPartPr>
+                <p14:cNvPr id="13" name="Ink 12">
+                  <a:extLst>
+                    <a:ext uri="{FF2B5EF4-FFF2-40B4-BE49-F238E27FC236}">
+                      <a16:creationId xmlns:a16="http://schemas.microsoft.com/office/drawing/2014/main" id="{12866E0B-8FE7-4444-A8CB-70318C973A4D}"/>
+                    </a:ext>
+                  </a:extLst>
+                </p14:cNvPr>
+                <p14:cNvContentPartPr/>
+                <p14:nvPr/>
+              </p14:nvContentPartPr>
+              <p14:xfrm>
+                <a:off x="1061209" y="3604219"/>
+                <a:ext cx="295920" cy="618120"/>
+              </p14:xfrm>
+            </p:contentPart>
+          </mc:Choice>
+          <mc:Fallback>
+            <p:pic>
+              <p:nvPicPr>
+                <p:cNvPr id="13" name="Ink 12">
+                  <a:extLst>
+                    <a:ext uri="{FF2B5EF4-FFF2-40B4-BE49-F238E27FC236}">
+                      <a16:creationId xmlns:a16="http://schemas.microsoft.com/office/drawing/2014/main" id="{12866E0B-8FE7-4444-A8CB-70318C973A4D}"/>
+                    </a:ext>
+                  </a:extLst>
+                </p:cNvPr>
+                <p:cNvPicPr/>
+                <p:nvPr/>
+              </p:nvPicPr>
+              <p:blipFill>
+                <a:blip r:embed="rId19"/>
+                <a:stretch>
+                  <a:fillRect/>
+                </a:stretch>
+              </p:blipFill>
+              <p:spPr>
+                <a:xfrm>
+                  <a:off x="1052569" y="3595579"/>
+                  <a:ext cx="313560" cy="635760"/>
+                </a:xfrm>
+                <a:prstGeom prst="rect">
+                  <a:avLst/>
+                </a:prstGeom>
+              </p:spPr>
+            </p:pic>
+          </mc:Fallback>
+        </mc:AlternateContent>
+        <mc:AlternateContent xmlns:mc="http://schemas.openxmlformats.org/markup-compatibility/2006">
+          <mc:Choice xmlns:p14="http://schemas.microsoft.com/office/powerpoint/2010/main" Requires="p14">
+            <p:contentPart p14:bwMode="auto" r:id="rId20">
+              <p14:nvContentPartPr>
+                <p14:cNvPr id="14" name="Ink 13">
+                  <a:extLst>
+                    <a:ext uri="{FF2B5EF4-FFF2-40B4-BE49-F238E27FC236}">
+                      <a16:creationId xmlns:a16="http://schemas.microsoft.com/office/drawing/2014/main" id="{8C25C203-447E-4319-B03F-28CF20227327}"/>
+                    </a:ext>
+                  </a:extLst>
+                </p14:cNvPr>
+                <p14:cNvContentPartPr/>
+                <p14:nvPr/>
+              </p14:nvContentPartPr>
+              <p14:xfrm>
+                <a:off x="1556569" y="4005979"/>
+                <a:ext cx="12240" cy="233640"/>
+              </p14:xfrm>
+            </p:contentPart>
+          </mc:Choice>
+          <mc:Fallback>
+            <p:pic>
+              <p:nvPicPr>
+                <p:cNvPr id="14" name="Ink 13">
+                  <a:extLst>
+                    <a:ext uri="{FF2B5EF4-FFF2-40B4-BE49-F238E27FC236}">
+                      <a16:creationId xmlns:a16="http://schemas.microsoft.com/office/drawing/2014/main" id="{8C25C203-447E-4319-B03F-28CF20227327}"/>
+                    </a:ext>
+                  </a:extLst>
+                </p:cNvPr>
+                <p:cNvPicPr/>
+                <p:nvPr/>
+              </p:nvPicPr>
+              <p:blipFill>
+                <a:blip r:embed="rId21"/>
+                <a:stretch>
+                  <a:fillRect/>
+                </a:stretch>
+              </p:blipFill>
+              <p:spPr>
+                <a:xfrm>
+                  <a:off x="1547569" y="3996979"/>
+                  <a:ext cx="29880" cy="251280"/>
+                </a:xfrm>
+                <a:prstGeom prst="rect">
+                  <a:avLst/>
+                </a:prstGeom>
+              </p:spPr>
+            </p:pic>
+          </mc:Fallback>
+        </mc:AlternateContent>
+        <mc:AlternateContent xmlns:mc="http://schemas.openxmlformats.org/markup-compatibility/2006">
+          <mc:Choice xmlns:p14="http://schemas.microsoft.com/office/powerpoint/2010/main" Requires="p14">
+            <p:contentPart p14:bwMode="auto" r:id="rId22">
+              <p14:nvContentPartPr>
+                <p14:cNvPr id="15" name="Ink 14">
+                  <a:extLst>
+                    <a:ext uri="{FF2B5EF4-FFF2-40B4-BE49-F238E27FC236}">
+                      <a16:creationId xmlns:a16="http://schemas.microsoft.com/office/drawing/2014/main" id="{7C1B47F1-E7FD-4DF8-926A-B8441C0F3D9F}"/>
+                    </a:ext>
+                  </a:extLst>
+                </p14:cNvPr>
+                <p14:cNvContentPartPr/>
+                <p14:nvPr/>
+              </p14:nvContentPartPr>
+              <p14:xfrm>
+                <a:off x="1478089" y="4162939"/>
+                <a:ext cx="142560" cy="19080"/>
+              </p14:xfrm>
+            </p:contentPart>
+          </mc:Choice>
+          <mc:Fallback>
+            <p:pic>
+              <p:nvPicPr>
+                <p:cNvPr id="15" name="Ink 14">
+                  <a:extLst>
+                    <a:ext uri="{FF2B5EF4-FFF2-40B4-BE49-F238E27FC236}">
+                      <a16:creationId xmlns:a16="http://schemas.microsoft.com/office/drawing/2014/main" id="{7C1B47F1-E7FD-4DF8-926A-B8441C0F3D9F}"/>
+                    </a:ext>
+                  </a:extLst>
+                </p:cNvPr>
+                <p:cNvPicPr/>
+                <p:nvPr/>
+              </p:nvPicPr>
+              <p:blipFill>
+                <a:blip r:embed="rId23"/>
+                <a:stretch>
+                  <a:fillRect/>
+                </a:stretch>
+              </p:blipFill>
+              <p:spPr>
+                <a:xfrm>
+                  <a:off x="1469089" y="4153939"/>
+                  <a:ext cx="160200" cy="36720"/>
+                </a:xfrm>
+                <a:prstGeom prst="rect">
+                  <a:avLst/>
+                </a:prstGeom>
+              </p:spPr>
+            </p:pic>
+          </mc:Fallback>
+        </mc:AlternateContent>
+        <mc:AlternateContent xmlns:mc="http://schemas.openxmlformats.org/markup-compatibility/2006">
+          <mc:Choice xmlns:p14="http://schemas.microsoft.com/office/powerpoint/2010/main" Requires="p14">
+            <p:contentPart p14:bwMode="auto" r:id="rId24">
+              <p14:nvContentPartPr>
+                <p14:cNvPr id="16" name="Ink 15">
+                  <a:extLst>
+                    <a:ext uri="{FF2B5EF4-FFF2-40B4-BE49-F238E27FC236}">
+                      <a16:creationId xmlns:a16="http://schemas.microsoft.com/office/drawing/2014/main" id="{62C4DF76-C64E-4834-B88B-E30C35BB4A69}"/>
+                    </a:ext>
+                  </a:extLst>
+                </p14:cNvPr>
+                <p14:cNvContentPartPr/>
+                <p14:nvPr/>
+              </p14:nvContentPartPr>
+              <p14:xfrm>
+                <a:off x="1693009" y="4046659"/>
+                <a:ext cx="115560" cy="164880"/>
+              </p14:xfrm>
+            </p:contentPart>
+          </mc:Choice>
+          <mc:Fallback>
+            <p:pic>
+              <p:nvPicPr>
+                <p:cNvPr id="16" name="Ink 15">
+                  <a:extLst>
+                    <a:ext uri="{FF2B5EF4-FFF2-40B4-BE49-F238E27FC236}">
+                      <a16:creationId xmlns:a16="http://schemas.microsoft.com/office/drawing/2014/main" id="{62C4DF76-C64E-4834-B88B-E30C35BB4A69}"/>
+                    </a:ext>
+                  </a:extLst>
+                </p:cNvPr>
+                <p:cNvPicPr/>
+                <p:nvPr/>
+              </p:nvPicPr>
+              <p:blipFill>
+                <a:blip r:embed="rId25"/>
+                <a:stretch>
+                  <a:fillRect/>
+                </a:stretch>
+              </p:blipFill>
+              <p:spPr>
+                <a:xfrm>
+                  <a:off x="1684369" y="4038019"/>
+                  <a:ext cx="133200" cy="182520"/>
+                </a:xfrm>
+                <a:prstGeom prst="rect">
+                  <a:avLst/>
+                </a:prstGeom>
+              </p:spPr>
+            </p:pic>
+          </mc:Fallback>
+        </mc:AlternateContent>
+        <mc:AlternateContent xmlns:mc="http://schemas.openxmlformats.org/markup-compatibility/2006">
+          <mc:Choice xmlns:p14="http://schemas.microsoft.com/office/powerpoint/2010/main" Requires="p14">
+            <p:contentPart p14:bwMode="auto" r:id="rId26">
+              <p14:nvContentPartPr>
+                <p14:cNvPr id="17" name="Ink 16">
+                  <a:extLst>
+                    <a:ext uri="{FF2B5EF4-FFF2-40B4-BE49-F238E27FC236}">
+                      <a16:creationId xmlns:a16="http://schemas.microsoft.com/office/drawing/2014/main" id="{758922DB-C9ED-4B2E-B509-6AFFDAB89A26}"/>
+                    </a:ext>
+                  </a:extLst>
+                </p14:cNvPr>
+                <p14:cNvContentPartPr/>
+                <p14:nvPr/>
+              </p14:nvContentPartPr>
+              <p14:xfrm>
+                <a:off x="1857169" y="4052059"/>
+                <a:ext cx="84960" cy="123480"/>
+              </p14:xfrm>
+            </p:contentPart>
+          </mc:Choice>
+          <mc:Fallback>
+            <p:pic>
+              <p:nvPicPr>
+                <p:cNvPr id="17" name="Ink 16">
+                  <a:extLst>
+                    <a:ext uri="{FF2B5EF4-FFF2-40B4-BE49-F238E27FC236}">
+                      <a16:creationId xmlns:a16="http://schemas.microsoft.com/office/drawing/2014/main" id="{758922DB-C9ED-4B2E-B509-6AFFDAB89A26}"/>
+                    </a:ext>
+                  </a:extLst>
+                </p:cNvPr>
+                <p:cNvPicPr/>
+                <p:nvPr/>
+              </p:nvPicPr>
+              <p:blipFill>
+                <a:blip r:embed="rId27"/>
+                <a:stretch>
+                  <a:fillRect/>
+                </a:stretch>
+              </p:blipFill>
+              <p:spPr>
+                <a:xfrm>
+                  <a:off x="1848169" y="4043059"/>
+                  <a:ext cx="102600" cy="141120"/>
+                </a:xfrm>
+                <a:prstGeom prst="rect">
+                  <a:avLst/>
+                </a:prstGeom>
+              </p:spPr>
+            </p:pic>
+          </mc:Fallback>
+        </mc:AlternateContent>
+        <mc:AlternateContent xmlns:mc="http://schemas.openxmlformats.org/markup-compatibility/2006">
+          <mc:Choice xmlns:p14="http://schemas.microsoft.com/office/powerpoint/2010/main" Requires="p14">
+            <p:contentPart p14:bwMode="auto" r:id="rId28">
+              <p14:nvContentPartPr>
+                <p14:cNvPr id="18" name="Ink 17">
+                  <a:extLst>
+                    <a:ext uri="{FF2B5EF4-FFF2-40B4-BE49-F238E27FC236}">
+                      <a16:creationId xmlns:a16="http://schemas.microsoft.com/office/drawing/2014/main" id="{E2FE70DA-F7D7-4E5C-9A56-ABAB56B79A24}"/>
+                    </a:ext>
+                  </a:extLst>
+                </p14:cNvPr>
+                <p14:cNvContentPartPr/>
+                <p14:nvPr/>
+              </p14:nvContentPartPr>
+              <p14:xfrm>
+                <a:off x="2069569" y="4101739"/>
+                <a:ext cx="203760" cy="107640"/>
+              </p14:xfrm>
+            </p:contentPart>
+          </mc:Choice>
+          <mc:Fallback>
+            <p:pic>
+              <p:nvPicPr>
+                <p:cNvPr id="18" name="Ink 17">
+                  <a:extLst>
+                    <a:ext uri="{FF2B5EF4-FFF2-40B4-BE49-F238E27FC236}">
+                      <a16:creationId xmlns:a16="http://schemas.microsoft.com/office/drawing/2014/main" id="{E2FE70DA-F7D7-4E5C-9A56-ABAB56B79A24}"/>
+                    </a:ext>
+                  </a:extLst>
+                </p:cNvPr>
+                <p:cNvPicPr/>
+                <p:nvPr/>
+              </p:nvPicPr>
+              <p:blipFill>
+                <a:blip r:embed="rId29"/>
+                <a:stretch>
+                  <a:fillRect/>
+                </a:stretch>
+              </p:blipFill>
+              <p:spPr>
+                <a:xfrm>
+                  <a:off x="2060929" y="4092739"/>
+                  <a:ext cx="221400" cy="125280"/>
+                </a:xfrm>
+                <a:prstGeom prst="rect">
+                  <a:avLst/>
+                </a:prstGeom>
+              </p:spPr>
+            </p:pic>
+          </mc:Fallback>
+        </mc:AlternateContent>
+        <mc:AlternateContent xmlns:mc="http://schemas.openxmlformats.org/markup-compatibility/2006">
+          <mc:Choice xmlns:p14="http://schemas.microsoft.com/office/powerpoint/2010/main" Requires="p14">
+            <p:contentPart p14:bwMode="auto" r:id="rId30">
+              <p14:nvContentPartPr>
+                <p14:cNvPr id="19" name="Ink 18">
+                  <a:extLst>
+                    <a:ext uri="{FF2B5EF4-FFF2-40B4-BE49-F238E27FC236}">
+                      <a16:creationId xmlns:a16="http://schemas.microsoft.com/office/drawing/2014/main" id="{89800ECD-34A8-4CD2-BC0A-0A83A33BAC09}"/>
+                    </a:ext>
+                  </a:extLst>
+                </p14:cNvPr>
+                <p14:cNvContentPartPr/>
+                <p14:nvPr/>
+              </p14:nvContentPartPr>
+              <p14:xfrm>
+                <a:off x="2302489" y="4009579"/>
+                <a:ext cx="59040" cy="196560"/>
+              </p14:xfrm>
+            </p:contentPart>
+          </mc:Choice>
+          <mc:Fallback>
+            <p:pic>
+              <p:nvPicPr>
+                <p:cNvPr id="19" name="Ink 18">
+                  <a:extLst>
+                    <a:ext uri="{FF2B5EF4-FFF2-40B4-BE49-F238E27FC236}">
+                      <a16:creationId xmlns:a16="http://schemas.microsoft.com/office/drawing/2014/main" id="{89800ECD-34A8-4CD2-BC0A-0A83A33BAC09}"/>
+                    </a:ext>
+                  </a:extLst>
+                </p:cNvPr>
+                <p:cNvPicPr/>
+                <p:nvPr/>
+              </p:nvPicPr>
+              <p:blipFill>
+                <a:blip r:embed="rId31"/>
+                <a:stretch>
+                  <a:fillRect/>
+                </a:stretch>
+              </p:blipFill>
+              <p:spPr>
+                <a:xfrm>
+                  <a:off x="2293489" y="4000939"/>
+                  <a:ext cx="76680" cy="214200"/>
+                </a:xfrm>
+                <a:prstGeom prst="rect">
+                  <a:avLst/>
+                </a:prstGeom>
+              </p:spPr>
+            </p:pic>
+          </mc:Fallback>
+        </mc:AlternateContent>
+        <mc:AlternateContent xmlns:mc="http://schemas.openxmlformats.org/markup-compatibility/2006">
+          <mc:Choice xmlns:p14="http://schemas.microsoft.com/office/powerpoint/2010/main" Requires="p14">
+            <p:contentPart p14:bwMode="auto" r:id="rId32">
+              <p14:nvContentPartPr>
+                <p14:cNvPr id="20" name="Ink 19">
+                  <a:extLst>
+                    <a:ext uri="{FF2B5EF4-FFF2-40B4-BE49-F238E27FC236}">
+                      <a16:creationId xmlns:a16="http://schemas.microsoft.com/office/drawing/2014/main" id="{D06C13BB-1F99-4949-AAA1-4B5BD7EE64E0}"/>
+                    </a:ext>
+                  </a:extLst>
+                </p14:cNvPr>
+                <p14:cNvContentPartPr/>
+                <p14:nvPr/>
+              </p14:nvContentPartPr>
+              <p14:xfrm>
+                <a:off x="2368369" y="4114339"/>
+                <a:ext cx="145440" cy="100440"/>
+              </p14:xfrm>
+            </p:contentPart>
+          </mc:Choice>
+          <mc:Fallback>
+            <p:pic>
+              <p:nvPicPr>
+                <p:cNvPr id="20" name="Ink 19">
+                  <a:extLst>
+                    <a:ext uri="{FF2B5EF4-FFF2-40B4-BE49-F238E27FC236}">
+                      <a16:creationId xmlns:a16="http://schemas.microsoft.com/office/drawing/2014/main" id="{D06C13BB-1F99-4949-AAA1-4B5BD7EE64E0}"/>
+                    </a:ext>
+                  </a:extLst>
+                </p:cNvPr>
+                <p:cNvPicPr/>
+                <p:nvPr/>
+              </p:nvPicPr>
+              <p:blipFill>
+                <a:blip r:embed="rId33"/>
+                <a:stretch>
+                  <a:fillRect/>
+                </a:stretch>
+              </p:blipFill>
+              <p:spPr>
+                <a:xfrm>
+                  <a:off x="2359369" y="4105339"/>
+                  <a:ext cx="163080" cy="118080"/>
+                </a:xfrm>
+                <a:prstGeom prst="rect">
+                  <a:avLst/>
+                </a:prstGeom>
+              </p:spPr>
+            </p:pic>
+          </mc:Fallback>
+        </mc:AlternateContent>
+        <mc:AlternateContent xmlns:mc="http://schemas.openxmlformats.org/markup-compatibility/2006">
+          <mc:Choice xmlns:p14="http://schemas.microsoft.com/office/powerpoint/2010/main" Requires="p14">
+            <p:contentPart p14:bwMode="auto" r:id="rId34">
+              <p14:nvContentPartPr>
+                <p14:cNvPr id="21" name="Ink 20">
+                  <a:extLst>
+                    <a:ext uri="{FF2B5EF4-FFF2-40B4-BE49-F238E27FC236}">
+                      <a16:creationId xmlns:a16="http://schemas.microsoft.com/office/drawing/2014/main" id="{E2935E54-656A-4EB4-8802-46D41AFE65C9}"/>
+                    </a:ext>
+                  </a:extLst>
+                </p14:cNvPr>
+                <p14:cNvContentPartPr/>
+                <p14:nvPr/>
+              </p14:nvContentPartPr>
+              <p14:xfrm>
+                <a:off x="2527489" y="4113979"/>
+                <a:ext cx="91080" cy="83160"/>
+              </p14:xfrm>
+            </p:contentPart>
+          </mc:Choice>
+          <mc:Fallback>
+            <p:pic>
+              <p:nvPicPr>
+                <p:cNvPr id="21" name="Ink 20">
+                  <a:extLst>
+                    <a:ext uri="{FF2B5EF4-FFF2-40B4-BE49-F238E27FC236}">
+                      <a16:creationId xmlns:a16="http://schemas.microsoft.com/office/drawing/2014/main" id="{E2935E54-656A-4EB4-8802-46D41AFE65C9}"/>
+                    </a:ext>
+                  </a:extLst>
+                </p:cNvPr>
+                <p:cNvPicPr/>
+                <p:nvPr/>
+              </p:nvPicPr>
+              <p:blipFill>
+                <a:blip r:embed="rId35"/>
+                <a:stretch>
+                  <a:fillRect/>
+                </a:stretch>
+              </p:blipFill>
+              <p:spPr>
+                <a:xfrm>
+                  <a:off x="2518489" y="4105339"/>
+                  <a:ext cx="108720" cy="100800"/>
+                </a:xfrm>
+                <a:prstGeom prst="rect">
+                  <a:avLst/>
+                </a:prstGeom>
+              </p:spPr>
+            </p:pic>
+          </mc:Fallback>
+        </mc:AlternateContent>
+        <mc:AlternateContent xmlns:mc="http://schemas.openxmlformats.org/markup-compatibility/2006">
+          <mc:Choice xmlns:p14="http://schemas.microsoft.com/office/powerpoint/2010/main" Requires="p14">
+            <p:contentPart p14:bwMode="auto" r:id="rId36">
+              <p14:nvContentPartPr>
+                <p14:cNvPr id="22" name="Ink 21">
+                  <a:extLst>
+                    <a:ext uri="{FF2B5EF4-FFF2-40B4-BE49-F238E27FC236}">
+                      <a16:creationId xmlns:a16="http://schemas.microsoft.com/office/drawing/2014/main" id="{2035041C-0952-4A55-B8C9-5B1CCE107C79}"/>
+                    </a:ext>
+                  </a:extLst>
+                </p14:cNvPr>
+                <p14:cNvContentPartPr/>
+                <p14:nvPr/>
+              </p14:nvContentPartPr>
+              <p14:xfrm>
+                <a:off x="2701009" y="3964579"/>
+                <a:ext cx="126000" cy="216000"/>
+              </p14:xfrm>
+            </p:contentPart>
+          </mc:Choice>
+          <mc:Fallback>
+            <p:pic>
+              <p:nvPicPr>
+                <p:cNvPr id="22" name="Ink 21">
+                  <a:extLst>
+                    <a:ext uri="{FF2B5EF4-FFF2-40B4-BE49-F238E27FC236}">
+                      <a16:creationId xmlns:a16="http://schemas.microsoft.com/office/drawing/2014/main" id="{2035041C-0952-4A55-B8C9-5B1CCE107C79}"/>
+                    </a:ext>
+                  </a:extLst>
+                </p:cNvPr>
+                <p:cNvPicPr/>
+                <p:nvPr/>
+              </p:nvPicPr>
+              <p:blipFill>
+                <a:blip r:embed="rId37"/>
+                <a:stretch>
+                  <a:fillRect/>
+                </a:stretch>
+              </p:blipFill>
+              <p:spPr>
+                <a:xfrm>
+                  <a:off x="2692369" y="3955939"/>
+                  <a:ext cx="143640" cy="233640"/>
+                </a:xfrm>
+                <a:prstGeom prst="rect">
+                  <a:avLst/>
+                </a:prstGeom>
+              </p:spPr>
+            </p:pic>
+          </mc:Fallback>
+        </mc:AlternateContent>
+        <mc:AlternateContent xmlns:mc="http://schemas.openxmlformats.org/markup-compatibility/2006">
+          <mc:Choice xmlns:p14="http://schemas.microsoft.com/office/powerpoint/2010/main" Requires="p14">
+            <p:contentPart p14:bwMode="auto" r:id="rId38">
+              <p14:nvContentPartPr>
+                <p14:cNvPr id="23" name="Ink 22">
+                  <a:extLst>
+                    <a:ext uri="{FF2B5EF4-FFF2-40B4-BE49-F238E27FC236}">
+                      <a16:creationId xmlns:a16="http://schemas.microsoft.com/office/drawing/2014/main" id="{B5616B26-5D24-4772-BEBE-BCC07951A7BC}"/>
+                    </a:ext>
+                  </a:extLst>
+                </p14:cNvPr>
+                <p14:cNvContentPartPr/>
+                <p14:nvPr/>
+              </p14:nvContentPartPr>
+              <p14:xfrm>
+                <a:off x="2809369" y="4070059"/>
+                <a:ext cx="88920" cy="91800"/>
+              </p14:xfrm>
+            </p:contentPart>
+          </mc:Choice>
+          <mc:Fallback>
+            <p:pic>
+              <p:nvPicPr>
+                <p:cNvPr id="23" name="Ink 22">
+                  <a:extLst>
+                    <a:ext uri="{FF2B5EF4-FFF2-40B4-BE49-F238E27FC236}">
+                      <a16:creationId xmlns:a16="http://schemas.microsoft.com/office/drawing/2014/main" id="{B5616B26-5D24-4772-BEBE-BCC07951A7BC}"/>
+                    </a:ext>
+                  </a:extLst>
+                </p:cNvPr>
+                <p:cNvPicPr/>
+                <p:nvPr/>
+              </p:nvPicPr>
+              <p:blipFill>
+                <a:blip r:embed="rId39"/>
+                <a:stretch>
+                  <a:fillRect/>
+                </a:stretch>
+              </p:blipFill>
+              <p:spPr>
+                <a:xfrm>
+                  <a:off x="2800369" y="4061419"/>
+                  <a:ext cx="106560" cy="109440"/>
+                </a:xfrm>
+                <a:prstGeom prst="rect">
+                  <a:avLst/>
+                </a:prstGeom>
+              </p:spPr>
+            </p:pic>
+          </mc:Fallback>
+        </mc:AlternateContent>
+        <mc:AlternateContent xmlns:mc="http://schemas.openxmlformats.org/markup-compatibility/2006">
+          <mc:Choice xmlns:p14="http://schemas.microsoft.com/office/powerpoint/2010/main" Requires="p14">
+            <p:contentPart p14:bwMode="auto" r:id="rId40">
+              <p14:nvContentPartPr>
+                <p14:cNvPr id="24" name="Ink 23">
+                  <a:extLst>
+                    <a:ext uri="{FF2B5EF4-FFF2-40B4-BE49-F238E27FC236}">
+                      <a16:creationId xmlns:a16="http://schemas.microsoft.com/office/drawing/2014/main" id="{F70408D3-15A4-4675-8124-8DE3089193AB}"/>
+                    </a:ext>
+                  </a:extLst>
+                </p14:cNvPr>
+                <p14:cNvContentPartPr/>
+                <p14:nvPr/>
+              </p14:nvContentPartPr>
+              <p14:xfrm>
+                <a:off x="2929969" y="4053859"/>
+                <a:ext cx="51480" cy="95760"/>
+              </p14:xfrm>
+            </p:contentPart>
+          </mc:Choice>
+          <mc:Fallback>
+            <p:pic>
+              <p:nvPicPr>
+                <p:cNvPr id="24" name="Ink 23">
+                  <a:extLst>
+                    <a:ext uri="{FF2B5EF4-FFF2-40B4-BE49-F238E27FC236}">
+                      <a16:creationId xmlns:a16="http://schemas.microsoft.com/office/drawing/2014/main" id="{F70408D3-15A4-4675-8124-8DE3089193AB}"/>
+                    </a:ext>
+                  </a:extLst>
+                </p:cNvPr>
+                <p:cNvPicPr/>
+                <p:nvPr/>
+              </p:nvPicPr>
+              <p:blipFill>
+                <a:blip r:embed="rId41"/>
+                <a:stretch>
+                  <a:fillRect/>
+                </a:stretch>
+              </p:blipFill>
+              <p:spPr>
+                <a:xfrm>
+                  <a:off x="2920969" y="4045219"/>
+                  <a:ext cx="69120" cy="113400"/>
+                </a:xfrm>
+                <a:prstGeom prst="rect">
+                  <a:avLst/>
+                </a:prstGeom>
+              </p:spPr>
+            </p:pic>
+          </mc:Fallback>
+        </mc:AlternateContent>
+        <mc:AlternateContent xmlns:mc="http://schemas.openxmlformats.org/markup-compatibility/2006">
+          <mc:Choice xmlns:p14="http://schemas.microsoft.com/office/powerpoint/2010/main" Requires="p14">
+            <p:contentPart p14:bwMode="auto" r:id="rId42">
+              <p14:nvContentPartPr>
+                <p14:cNvPr id="26" name="Ink 25">
+                  <a:extLst>
+                    <a:ext uri="{FF2B5EF4-FFF2-40B4-BE49-F238E27FC236}">
+                      <a16:creationId xmlns:a16="http://schemas.microsoft.com/office/drawing/2014/main" id="{F6FAF479-0140-4B46-8190-B98A8146BAE9}"/>
+                    </a:ext>
+                  </a:extLst>
+                </p14:cNvPr>
+                <p14:cNvContentPartPr/>
+                <p14:nvPr/>
+              </p14:nvContentPartPr>
+              <p14:xfrm>
+                <a:off x="2931769" y="3837139"/>
+                <a:ext cx="1008720" cy="87480"/>
+              </p14:xfrm>
+            </p:contentPart>
+          </mc:Choice>
+          <mc:Fallback>
+            <p:pic>
+              <p:nvPicPr>
+                <p:cNvPr id="26" name="Ink 25">
+                  <a:extLst>
+                    <a:ext uri="{FF2B5EF4-FFF2-40B4-BE49-F238E27FC236}">
+                      <a16:creationId xmlns:a16="http://schemas.microsoft.com/office/drawing/2014/main" id="{F6FAF479-0140-4B46-8190-B98A8146BAE9}"/>
+                    </a:ext>
+                  </a:extLst>
+                </p:cNvPr>
+                <p:cNvPicPr/>
+                <p:nvPr/>
+              </p:nvPicPr>
+              <p:blipFill>
+                <a:blip r:embed="rId43"/>
+                <a:stretch>
+                  <a:fillRect/>
+                </a:stretch>
+              </p:blipFill>
+              <p:spPr>
+                <a:xfrm>
+                  <a:off x="2922769" y="3828139"/>
+                  <a:ext cx="1026360" cy="105120"/>
+                </a:xfrm>
+                <a:prstGeom prst="rect">
+                  <a:avLst/>
+                </a:prstGeom>
+              </p:spPr>
+            </p:pic>
+          </mc:Fallback>
+        </mc:AlternateContent>
+      </p:grpSp>
     </p:spTree>
     <p:extLst>
       <p:ext uri="{BB962C8B-B14F-4D97-AF65-F5344CB8AC3E}">
